--- a/Notes/SAPUI5-DataBinding.pptx
+++ b/Notes/SAPUI5-DataBinding.pptx
@@ -388,21 +388,21 @@
           <a:p>
             <a:pPr lvl="0"/>
             <a:r>
-              <a:rPr lang="en-US" dirty="0" smtClean="0"/>
+              <a:rPr lang="en-US" dirty="0"/>
               <a:t>Click to edit Master text styles</a:t>
             </a:r>
           </a:p>
           <a:p>
             <a:pPr lvl="1"/>
             <a:r>
-              <a:rPr lang="en-US" dirty="0" smtClean="0"/>
+              <a:rPr lang="en-US" dirty="0"/>
               <a:t>Second level</a:t>
             </a:r>
           </a:p>
           <a:p>
             <a:pPr lvl="2"/>
             <a:r>
-              <a:rPr lang="en-US" dirty="0" smtClean="0"/>
+              <a:rPr lang="en-US" dirty="0"/>
               <a:t>Third level</a:t>
             </a:r>
           </a:p>
@@ -822,7 +822,7 @@
               <a:buSzPct val="80000"/>
               <a:tabLst/>
             </a:pPr>
-            <a:endParaRPr kumimoji="0" lang="en-US" b="0" i="0" u="none" strike="noStrike" kern="0" cap="none" spc="0" normalizeH="0" baseline="0" noProof="0" dirty="0" smtClean="0">
+            <a:endParaRPr kumimoji="0" lang="en-US" b="0" i="0" u="none" strike="noStrike" kern="0" cap="none" spc="0" normalizeH="0" baseline="0" noProof="0" dirty="0">
               <a:ln>
                 <a:noFill/>
               </a:ln>
@@ -867,10 +867,9 @@
           </a:lstStyle>
           <a:p>
             <a:r>
-              <a:rPr lang="en-US" dirty="0" smtClean="0"/>
+              <a:rPr lang="en-US" dirty="0"/>
               <a:t>Short Presentation Title</a:t>
             </a:r>
-            <a:endParaRPr lang="en-US" dirty="0"/>
           </a:p>
         </p:txBody>
       </p:sp>
@@ -952,7 +951,7 @@
               <a:buSzPct val="80000"/>
               <a:tabLst/>
             </a:pPr>
-            <a:endParaRPr kumimoji="0" lang="en-US" sz="1900" b="0" i="0" u="none" strike="noStrike" kern="0" cap="none" spc="0" normalizeH="0" baseline="0" noProof="0" dirty="0" err="1" smtClean="0">
+            <a:endParaRPr kumimoji="0" lang="en-US" sz="1900" b="0" i="0" u="none" strike="noStrike" kern="0" cap="none" spc="0" normalizeH="0" baseline="0" noProof="0" dirty="0" err="1">
               <a:ln>
                 <a:noFill/>
               </a:ln>
@@ -1093,14 +1092,14 @@
           </a:lstStyle>
           <a:p>
             <a:r>
-              <a:rPr lang="en-US" dirty="0" smtClean="0"/>
+              <a:rPr lang="en-US" dirty="0"/>
               <a:t>Speaker’s Name/Department (delete if not needed)</a:t>
             </a:r>
             <a:br>
-              <a:rPr lang="en-US" dirty="0" smtClean="0"/>
+              <a:rPr lang="en-US" dirty="0"/>
             </a:br>
             <a:r>
-              <a:rPr lang="en-US" dirty="0" smtClean="0"/>
+              <a:rPr lang="en-US" dirty="0"/>
               <a:t>Month 00, 2015</a:t>
             </a:r>
           </a:p>
@@ -1143,13 +1142,6 @@
   <p:clrMapOvr>
     <a:masterClrMapping/>
   </p:clrMapOvr>
-  <p:timing>
-    <p:tnLst>
-      <p:par>
-        <p:cTn id="1" dur="indefinite" restart="never" nodeType="tmRoot"/>
-      </p:par>
-    </p:tnLst>
-  </p:timing>
 </p:sldLayout>
 </file>
 
@@ -1190,14 +1182,14 @@
           </a:lstStyle>
           <a:p>
             <a:r>
-              <a:rPr lang="en-US" noProof="0" dirty="0" smtClean="0"/>
+              <a:rPr lang="en-US" noProof="0" dirty="0"/>
               <a:t>Presentation Title</a:t>
             </a:r>
             <a:br>
-              <a:rPr lang="en-US" noProof="0" dirty="0" smtClean="0"/>
+              <a:rPr lang="en-US" noProof="0" dirty="0"/>
             </a:br>
             <a:r>
-              <a:rPr lang="en-US" cap="small" dirty="0" smtClean="0">
+              <a:rPr lang="en-US" cap="small" dirty="0">
                 <a:solidFill>
                   <a:srgbClr val="FFC000"/>
                 </a:solidFill>
@@ -1367,7 +1359,7 @@
               <a:defRPr/>
             </a:pPr>
             <a:r>
-              <a:rPr kumimoji="0" lang="en-US" sz="2000" b="0" i="0" u="none" strike="noStrike" kern="1200" cap="none" spc="0" normalizeH="0" baseline="0" noProof="0" dirty="0" smtClean="0">
+              <a:rPr kumimoji="0" lang="en-US" sz="2000" b="0" i="0" u="none" strike="noStrike" kern="1200" cap="none" spc="0" normalizeH="0" baseline="0" noProof="0" dirty="0">
                 <a:ln>
                   <a:noFill/>
                 </a:ln>
@@ -1405,7 +1397,7 @@
               <a:defRPr/>
             </a:pPr>
             <a:r>
-              <a:rPr kumimoji="0" lang="en-US" sz="1800" b="0" i="0" u="none" strike="noStrike" kern="1200" cap="none" spc="0" normalizeH="0" baseline="0" noProof="0" dirty="0" smtClean="0">
+              <a:rPr kumimoji="0" lang="en-US" sz="1800" b="0" i="0" u="none" strike="noStrike" kern="1200" cap="none" spc="0" normalizeH="0" baseline="0" noProof="0" dirty="0">
                 <a:ln>
                   <a:noFill/>
                 </a:ln>
@@ -1443,7 +1435,7 @@
               <a:defRPr/>
             </a:pPr>
             <a:r>
-              <a:rPr kumimoji="0" lang="en-US" sz="1600" b="0" i="0" u="none" strike="noStrike" kern="1200" cap="none" spc="0" normalizeH="0" baseline="0" noProof="0" dirty="0" smtClean="0">
+              <a:rPr kumimoji="0" lang="en-US" sz="1600" b="0" i="0" u="none" strike="noStrike" kern="1200" cap="none" spc="0" normalizeH="0" baseline="0" noProof="0" dirty="0">
                 <a:ln>
                   <a:noFill/>
                 </a:ln>
@@ -1483,7 +1475,7 @@
               <a:defRPr/>
             </a:pPr>
             <a:r>
-              <a:rPr kumimoji="0" lang="en-US" sz="1400" b="0" i="0" u="none" strike="noStrike" kern="1200" cap="none" spc="0" normalizeH="0" baseline="0" noProof="0" dirty="0" smtClean="0">
+              <a:rPr kumimoji="0" lang="en-US" sz="1400" b="0" i="0" u="none" strike="noStrike" kern="1200" cap="none" spc="0" normalizeH="0" baseline="0" noProof="0" dirty="0">
                 <a:ln>
                   <a:noFill/>
                 </a:ln>
@@ -1523,7 +1515,7 @@
               <a:defRPr/>
             </a:pPr>
             <a:r>
-              <a:rPr kumimoji="0" lang="en-US" sz="1200" b="0" i="0" u="none" strike="noStrike" kern="1200" cap="none" spc="0" normalizeH="0" baseline="0" noProof="0" dirty="0" smtClean="0">
+              <a:rPr kumimoji="0" lang="en-US" sz="1200" b="0" i="0" u="none" strike="noStrike" kern="1200" cap="none" spc="0" normalizeH="0" baseline="0" noProof="0" dirty="0">
                 <a:ln>
                   <a:noFill/>
                 </a:ln>
@@ -1539,20 +1531,6 @@
               </a:rPr>
               <a:t>Fifth level</a:t>
             </a:r>
-            <a:endParaRPr kumimoji="0" lang="en-US" sz="1200" b="0" i="0" u="none" strike="noStrike" kern="1200" cap="none" spc="0" normalizeH="0" baseline="0" noProof="0" dirty="0">
-              <a:ln>
-                <a:noFill/>
-              </a:ln>
-              <a:solidFill>
-                <a:srgbClr val="CCCCCC">
-                  <a:lumMod val="50000"/>
-                </a:srgbClr>
-              </a:solidFill>
-              <a:effectLst/>
-              <a:uLnTx/>
-              <a:uFillTx/>
-              <a:latin typeface="+mn-lt"/>
-            </a:endParaRPr>
           </a:p>
         </p:txBody>
       </p:sp>
@@ -1561,13 +1539,6 @@
   <p:clrMapOvr>
     <a:masterClrMapping/>
   </p:clrMapOvr>
-  <p:timing>
-    <p:tnLst>
-      <p:par>
-        <p:cTn id="1" dur="indefinite" restart="never" nodeType="tmRoot"/>
-      </p:par>
-    </p:tnLst>
-  </p:timing>
 </p:sldLayout>
 </file>
 
@@ -1608,14 +1579,14 @@
           </a:lstStyle>
           <a:p>
             <a:r>
-              <a:rPr lang="en-US" noProof="0" dirty="0" smtClean="0"/>
+              <a:rPr lang="en-US" noProof="0" dirty="0"/>
               <a:t>Presentation Title</a:t>
             </a:r>
             <a:br>
-              <a:rPr lang="en-US" noProof="0" dirty="0" smtClean="0"/>
+              <a:rPr lang="en-US" noProof="0" dirty="0"/>
             </a:br>
             <a:r>
-              <a:rPr lang="en-US" cap="small" dirty="0" smtClean="0">
+              <a:rPr lang="en-US" cap="small" dirty="0">
                 <a:solidFill>
                   <a:srgbClr val="FFC000"/>
                 </a:solidFill>
@@ -1780,7 +1751,7 @@
               <a:defRPr/>
             </a:pPr>
             <a:r>
-              <a:rPr kumimoji="0" lang="en-US" sz="2000" b="0" i="0" u="none" strike="noStrike" kern="1200" cap="none" spc="0" normalizeH="0" baseline="0" noProof="0" dirty="0" smtClean="0">
+              <a:rPr kumimoji="0" lang="en-US" sz="2000" b="0" i="0" u="none" strike="noStrike" kern="1200" cap="none" spc="0" normalizeH="0" baseline="0" noProof="0" dirty="0">
                 <a:ln>
                   <a:noFill/>
                 </a:ln>
@@ -1818,7 +1789,7 @@
               <a:defRPr/>
             </a:pPr>
             <a:r>
-              <a:rPr kumimoji="0" lang="en-US" sz="1800" b="0" i="0" u="none" strike="noStrike" kern="1200" cap="none" spc="0" normalizeH="0" baseline="0" noProof="0" dirty="0" smtClean="0">
+              <a:rPr kumimoji="0" lang="en-US" sz="1800" b="0" i="0" u="none" strike="noStrike" kern="1200" cap="none" spc="0" normalizeH="0" baseline="0" noProof="0" dirty="0">
                 <a:ln>
                   <a:noFill/>
                 </a:ln>
@@ -1856,7 +1827,7 @@
               <a:defRPr/>
             </a:pPr>
             <a:r>
-              <a:rPr kumimoji="0" lang="en-US" sz="1600" b="0" i="0" u="none" strike="noStrike" kern="1200" cap="none" spc="0" normalizeH="0" baseline="0" noProof="0" dirty="0" smtClean="0">
+              <a:rPr kumimoji="0" lang="en-US" sz="1600" b="0" i="0" u="none" strike="noStrike" kern="1200" cap="none" spc="0" normalizeH="0" baseline="0" noProof="0" dirty="0">
                 <a:ln>
                   <a:noFill/>
                 </a:ln>
@@ -1896,7 +1867,7 @@
               <a:defRPr/>
             </a:pPr>
             <a:r>
-              <a:rPr kumimoji="0" lang="en-US" sz="1400" b="0" i="0" u="none" strike="noStrike" kern="1200" cap="none" spc="0" normalizeH="0" baseline="0" noProof="0" dirty="0" smtClean="0">
+              <a:rPr kumimoji="0" lang="en-US" sz="1400" b="0" i="0" u="none" strike="noStrike" kern="1200" cap="none" spc="0" normalizeH="0" baseline="0" noProof="0" dirty="0">
                 <a:ln>
                   <a:noFill/>
                 </a:ln>
@@ -1936,7 +1907,7 @@
               <a:defRPr/>
             </a:pPr>
             <a:r>
-              <a:rPr kumimoji="0" lang="en-US" sz="1200" b="0" i="0" u="none" strike="noStrike" kern="1200" cap="none" spc="0" normalizeH="0" baseline="0" noProof="0" dirty="0" smtClean="0">
+              <a:rPr kumimoji="0" lang="en-US" sz="1200" b="0" i="0" u="none" strike="noStrike" kern="1200" cap="none" spc="0" normalizeH="0" baseline="0" noProof="0" dirty="0">
                 <a:ln>
                   <a:noFill/>
                 </a:ln>
@@ -1952,20 +1923,6 @@
               </a:rPr>
               <a:t>Fifth level</a:t>
             </a:r>
-            <a:endParaRPr kumimoji="0" lang="en-US" sz="1200" b="0" i="0" u="none" strike="noStrike" kern="1200" cap="none" spc="0" normalizeH="0" baseline="0" noProof="0" dirty="0">
-              <a:ln>
-                <a:noFill/>
-              </a:ln>
-              <a:solidFill>
-                <a:srgbClr val="CCCCCC">
-                  <a:lumMod val="50000"/>
-                </a:srgbClr>
-              </a:solidFill>
-              <a:effectLst/>
-              <a:uLnTx/>
-              <a:uFillTx/>
-              <a:latin typeface="+mn-lt"/>
-            </a:endParaRPr>
           </a:p>
         </p:txBody>
       </p:sp>
@@ -2122,7 +2079,7 @@
               <a:defRPr/>
             </a:pPr>
             <a:r>
-              <a:rPr kumimoji="0" lang="en-US" sz="2000" b="0" i="0" u="none" strike="noStrike" kern="1200" cap="none" spc="0" normalizeH="0" baseline="0" noProof="0" dirty="0" smtClean="0">
+              <a:rPr kumimoji="0" lang="en-US" sz="2000" b="0" i="0" u="none" strike="noStrike" kern="1200" cap="none" spc="0" normalizeH="0" baseline="0" noProof="0" dirty="0">
                 <a:ln>
                   <a:noFill/>
                 </a:ln>
@@ -2160,7 +2117,7 @@
               <a:defRPr/>
             </a:pPr>
             <a:r>
-              <a:rPr kumimoji="0" lang="en-US" sz="1800" b="0" i="0" u="none" strike="noStrike" kern="1200" cap="none" spc="0" normalizeH="0" baseline="0" noProof="0" dirty="0" smtClean="0">
+              <a:rPr kumimoji="0" lang="en-US" sz="1800" b="0" i="0" u="none" strike="noStrike" kern="1200" cap="none" spc="0" normalizeH="0" baseline="0" noProof="0" dirty="0">
                 <a:ln>
                   <a:noFill/>
                 </a:ln>
@@ -2198,7 +2155,7 @@
               <a:defRPr/>
             </a:pPr>
             <a:r>
-              <a:rPr kumimoji="0" lang="en-US" sz="1600" b="0" i="0" u="none" strike="noStrike" kern="1200" cap="none" spc="0" normalizeH="0" baseline="0" noProof="0" dirty="0" smtClean="0">
+              <a:rPr kumimoji="0" lang="en-US" sz="1600" b="0" i="0" u="none" strike="noStrike" kern="1200" cap="none" spc="0" normalizeH="0" baseline="0" noProof="0" dirty="0">
                 <a:ln>
                   <a:noFill/>
                 </a:ln>
@@ -2238,7 +2195,7 @@
               <a:defRPr/>
             </a:pPr>
             <a:r>
-              <a:rPr kumimoji="0" lang="en-US" sz="1400" b="0" i="0" u="none" strike="noStrike" kern="1200" cap="none" spc="0" normalizeH="0" baseline="0" noProof="0" dirty="0" smtClean="0">
+              <a:rPr kumimoji="0" lang="en-US" sz="1400" b="0" i="0" u="none" strike="noStrike" kern="1200" cap="none" spc="0" normalizeH="0" baseline="0" noProof="0" dirty="0">
                 <a:ln>
                   <a:noFill/>
                 </a:ln>
@@ -2278,7 +2235,7 @@
               <a:defRPr/>
             </a:pPr>
             <a:r>
-              <a:rPr kumimoji="0" lang="en-US" sz="1200" b="0" i="0" u="none" strike="noStrike" kern="1200" cap="none" spc="0" normalizeH="0" baseline="0" noProof="0" dirty="0" smtClean="0">
+              <a:rPr kumimoji="0" lang="en-US" sz="1200" b="0" i="0" u="none" strike="noStrike" kern="1200" cap="none" spc="0" normalizeH="0" baseline="0" noProof="0" dirty="0">
                 <a:ln>
                   <a:noFill/>
                 </a:ln>
@@ -2294,20 +2251,6 @@
               </a:rPr>
               <a:t>Fifth level</a:t>
             </a:r>
-            <a:endParaRPr kumimoji="0" lang="en-US" sz="1200" b="0" i="0" u="none" strike="noStrike" kern="1200" cap="none" spc="0" normalizeH="0" baseline="0" noProof="0" dirty="0">
-              <a:ln>
-                <a:noFill/>
-              </a:ln>
-              <a:solidFill>
-                <a:srgbClr val="CCCCCC">
-                  <a:lumMod val="50000"/>
-                </a:srgbClr>
-              </a:solidFill>
-              <a:effectLst/>
-              <a:uLnTx/>
-              <a:uFillTx/>
-              <a:latin typeface="+mn-lt"/>
-            </a:endParaRPr>
           </a:p>
         </p:txBody>
       </p:sp>
@@ -2316,13 +2259,6 @@
   <p:clrMapOvr>
     <a:masterClrMapping/>
   </p:clrMapOvr>
-  <p:timing>
-    <p:tnLst>
-      <p:par>
-        <p:cTn id="1" dur="indefinite" restart="never" nodeType="tmRoot"/>
-      </p:par>
-    </p:tnLst>
-  </p:timing>
 </p:sldLayout>
 </file>
 
@@ -2368,14 +2304,14 @@
           </a:lstStyle>
           <a:p>
             <a:r>
-              <a:rPr lang="en-US" noProof="0" dirty="0" smtClean="0"/>
+              <a:rPr lang="en-US" noProof="0" dirty="0"/>
               <a:t>Presentation Title</a:t>
             </a:r>
             <a:br>
-              <a:rPr lang="en-US" noProof="0" dirty="0" smtClean="0"/>
+              <a:rPr lang="en-US" noProof="0" dirty="0"/>
             </a:br>
             <a:r>
-              <a:rPr lang="en-US" cap="small" dirty="0" smtClean="0">
+              <a:rPr lang="en-US" cap="small" dirty="0">
                 <a:solidFill>
                   <a:srgbClr val="FFC000"/>
                 </a:solidFill>
@@ -2540,7 +2476,7 @@
               <a:defRPr/>
             </a:pPr>
             <a:r>
-              <a:rPr kumimoji="0" lang="en-US" sz="2000" b="0" i="0" u="none" strike="noStrike" kern="1200" cap="none" spc="0" normalizeH="0" baseline="0" noProof="0" dirty="0" smtClean="0">
+              <a:rPr kumimoji="0" lang="en-US" sz="2000" b="0" i="0" u="none" strike="noStrike" kern="1200" cap="none" spc="0" normalizeH="0" baseline="0" noProof="0" dirty="0">
                 <a:ln>
                   <a:noFill/>
                 </a:ln>
@@ -2578,7 +2514,7 @@
               <a:defRPr/>
             </a:pPr>
             <a:r>
-              <a:rPr kumimoji="0" lang="en-US" sz="1800" b="0" i="0" u="none" strike="noStrike" kern="1200" cap="none" spc="0" normalizeH="0" baseline="0" noProof="0" dirty="0" smtClean="0">
+              <a:rPr kumimoji="0" lang="en-US" sz="1800" b="0" i="0" u="none" strike="noStrike" kern="1200" cap="none" spc="0" normalizeH="0" baseline="0" noProof="0" dirty="0">
                 <a:ln>
                   <a:noFill/>
                 </a:ln>
@@ -2616,7 +2552,7 @@
               <a:defRPr/>
             </a:pPr>
             <a:r>
-              <a:rPr kumimoji="0" lang="en-US" sz="1600" b="0" i="0" u="none" strike="noStrike" kern="1200" cap="none" spc="0" normalizeH="0" baseline="0" noProof="0" dirty="0" smtClean="0">
+              <a:rPr kumimoji="0" lang="en-US" sz="1600" b="0" i="0" u="none" strike="noStrike" kern="1200" cap="none" spc="0" normalizeH="0" baseline="0" noProof="0" dirty="0">
                 <a:ln>
                   <a:noFill/>
                 </a:ln>
@@ -2656,7 +2592,7 @@
               <a:defRPr/>
             </a:pPr>
             <a:r>
-              <a:rPr kumimoji="0" lang="en-US" sz="1400" b="0" i="0" u="none" strike="noStrike" kern="1200" cap="none" spc="0" normalizeH="0" baseline="0" noProof="0" dirty="0" smtClean="0">
+              <a:rPr kumimoji="0" lang="en-US" sz="1400" b="0" i="0" u="none" strike="noStrike" kern="1200" cap="none" spc="0" normalizeH="0" baseline="0" noProof="0" dirty="0">
                 <a:ln>
                   <a:noFill/>
                 </a:ln>
@@ -2696,7 +2632,7 @@
               <a:defRPr/>
             </a:pPr>
             <a:r>
-              <a:rPr kumimoji="0" lang="en-US" sz="1200" b="0" i="0" u="none" strike="noStrike" kern="1200" cap="none" spc="0" normalizeH="0" baseline="0" noProof="0" dirty="0" smtClean="0">
+              <a:rPr kumimoji="0" lang="en-US" sz="1200" b="0" i="0" u="none" strike="noStrike" kern="1200" cap="none" spc="0" normalizeH="0" baseline="0" noProof="0" dirty="0">
                 <a:ln>
                   <a:noFill/>
                 </a:ln>
@@ -2712,20 +2648,6 @@
               </a:rPr>
               <a:t>Fifth level</a:t>
             </a:r>
-            <a:endParaRPr kumimoji="0" lang="en-US" sz="1200" b="0" i="0" u="none" strike="noStrike" kern="1200" cap="none" spc="0" normalizeH="0" baseline="0" noProof="0" dirty="0">
-              <a:ln>
-                <a:noFill/>
-              </a:ln>
-              <a:solidFill>
-                <a:srgbClr val="CCCCCC">
-                  <a:lumMod val="50000"/>
-                </a:srgbClr>
-              </a:solidFill>
-              <a:effectLst/>
-              <a:uLnTx/>
-              <a:uFillTx/>
-              <a:latin typeface="+mn-lt"/>
-            </a:endParaRPr>
           </a:p>
         </p:txBody>
       </p:sp>
@@ -2882,7 +2804,7 @@
               <a:defRPr/>
             </a:pPr>
             <a:r>
-              <a:rPr kumimoji="0" lang="en-US" sz="2000" b="0" i="0" u="none" strike="noStrike" kern="1200" cap="none" spc="0" normalizeH="0" baseline="0" noProof="0" dirty="0" smtClean="0">
+              <a:rPr kumimoji="0" lang="en-US" sz="2000" b="0" i="0" u="none" strike="noStrike" kern="1200" cap="none" spc="0" normalizeH="0" baseline="0" noProof="0" dirty="0">
                 <a:ln>
                   <a:noFill/>
                 </a:ln>
@@ -2920,7 +2842,7 @@
               <a:defRPr/>
             </a:pPr>
             <a:r>
-              <a:rPr kumimoji="0" lang="en-US" sz="1800" b="0" i="0" u="none" strike="noStrike" kern="1200" cap="none" spc="0" normalizeH="0" baseline="0" noProof="0" dirty="0" smtClean="0">
+              <a:rPr kumimoji="0" lang="en-US" sz="1800" b="0" i="0" u="none" strike="noStrike" kern="1200" cap="none" spc="0" normalizeH="0" baseline="0" noProof="0" dirty="0">
                 <a:ln>
                   <a:noFill/>
                 </a:ln>
@@ -2958,7 +2880,7 @@
               <a:defRPr/>
             </a:pPr>
             <a:r>
-              <a:rPr kumimoji="0" lang="en-US" sz="1600" b="0" i="0" u="none" strike="noStrike" kern="1200" cap="none" spc="0" normalizeH="0" baseline="0" noProof="0" dirty="0" smtClean="0">
+              <a:rPr kumimoji="0" lang="en-US" sz="1600" b="0" i="0" u="none" strike="noStrike" kern="1200" cap="none" spc="0" normalizeH="0" baseline="0" noProof="0" dirty="0">
                 <a:ln>
                   <a:noFill/>
                 </a:ln>
@@ -2998,7 +2920,7 @@
               <a:defRPr/>
             </a:pPr>
             <a:r>
-              <a:rPr kumimoji="0" lang="en-US" sz="1400" b="0" i="0" u="none" strike="noStrike" kern="1200" cap="none" spc="0" normalizeH="0" baseline="0" noProof="0" dirty="0" smtClean="0">
+              <a:rPr kumimoji="0" lang="en-US" sz="1400" b="0" i="0" u="none" strike="noStrike" kern="1200" cap="none" spc="0" normalizeH="0" baseline="0" noProof="0" dirty="0">
                 <a:ln>
                   <a:noFill/>
                 </a:ln>
@@ -3038,7 +2960,7 @@
               <a:defRPr/>
             </a:pPr>
             <a:r>
-              <a:rPr kumimoji="0" lang="en-US" sz="1200" b="0" i="0" u="none" strike="noStrike" kern="1200" cap="none" spc="0" normalizeH="0" baseline="0" noProof="0" dirty="0" smtClean="0">
+              <a:rPr kumimoji="0" lang="en-US" sz="1200" b="0" i="0" u="none" strike="noStrike" kern="1200" cap="none" spc="0" normalizeH="0" baseline="0" noProof="0" dirty="0">
                 <a:ln>
                   <a:noFill/>
                 </a:ln>
@@ -3054,20 +2976,6 @@
               </a:rPr>
               <a:t>Fifth level</a:t>
             </a:r>
-            <a:endParaRPr kumimoji="0" lang="en-US" sz="1200" b="0" i="0" u="none" strike="noStrike" kern="1200" cap="none" spc="0" normalizeH="0" baseline="0" noProof="0" dirty="0">
-              <a:ln>
-                <a:noFill/>
-              </a:ln>
-              <a:solidFill>
-                <a:srgbClr val="CCCCCC">
-                  <a:lumMod val="50000"/>
-                </a:srgbClr>
-              </a:solidFill>
-              <a:effectLst/>
-              <a:uLnTx/>
-              <a:uFillTx/>
-              <a:latin typeface="+mn-lt"/>
-            </a:endParaRPr>
           </a:p>
         </p:txBody>
       </p:sp>
@@ -3224,7 +3132,7 @@
               <a:defRPr/>
             </a:pPr>
             <a:r>
-              <a:rPr kumimoji="0" lang="en-US" sz="2000" b="0" i="0" u="none" strike="noStrike" kern="1200" cap="none" spc="0" normalizeH="0" baseline="0" noProof="0" dirty="0" smtClean="0">
+              <a:rPr kumimoji="0" lang="en-US" sz="2000" b="0" i="0" u="none" strike="noStrike" kern="1200" cap="none" spc="0" normalizeH="0" baseline="0" noProof="0" dirty="0">
                 <a:ln>
                   <a:noFill/>
                 </a:ln>
@@ -3262,7 +3170,7 @@
               <a:defRPr/>
             </a:pPr>
             <a:r>
-              <a:rPr kumimoji="0" lang="en-US" sz="1800" b="0" i="0" u="none" strike="noStrike" kern="1200" cap="none" spc="0" normalizeH="0" baseline="0" noProof="0" dirty="0" smtClean="0">
+              <a:rPr kumimoji="0" lang="en-US" sz="1800" b="0" i="0" u="none" strike="noStrike" kern="1200" cap="none" spc="0" normalizeH="0" baseline="0" noProof="0" dirty="0">
                 <a:ln>
                   <a:noFill/>
                 </a:ln>
@@ -3300,7 +3208,7 @@
               <a:defRPr/>
             </a:pPr>
             <a:r>
-              <a:rPr kumimoji="0" lang="en-US" sz="1600" b="0" i="0" u="none" strike="noStrike" kern="1200" cap="none" spc="0" normalizeH="0" baseline="0" noProof="0" dirty="0" smtClean="0">
+              <a:rPr kumimoji="0" lang="en-US" sz="1600" b="0" i="0" u="none" strike="noStrike" kern="1200" cap="none" spc="0" normalizeH="0" baseline="0" noProof="0" dirty="0">
                 <a:ln>
                   <a:noFill/>
                 </a:ln>
@@ -3340,7 +3248,7 @@
               <a:defRPr/>
             </a:pPr>
             <a:r>
-              <a:rPr kumimoji="0" lang="en-US" sz="1400" b="0" i="0" u="none" strike="noStrike" kern="1200" cap="none" spc="0" normalizeH="0" baseline="0" noProof="0" dirty="0" smtClean="0">
+              <a:rPr kumimoji="0" lang="en-US" sz="1400" b="0" i="0" u="none" strike="noStrike" kern="1200" cap="none" spc="0" normalizeH="0" baseline="0" noProof="0" dirty="0">
                 <a:ln>
                   <a:noFill/>
                 </a:ln>
@@ -3380,7 +3288,7 @@
               <a:defRPr/>
             </a:pPr>
             <a:r>
-              <a:rPr kumimoji="0" lang="en-US" sz="1200" b="0" i="0" u="none" strike="noStrike" kern="1200" cap="none" spc="0" normalizeH="0" baseline="0" noProof="0" dirty="0" smtClean="0">
+              <a:rPr kumimoji="0" lang="en-US" sz="1200" b="0" i="0" u="none" strike="noStrike" kern="1200" cap="none" spc="0" normalizeH="0" baseline="0" noProof="0" dirty="0">
                 <a:ln>
                   <a:noFill/>
                 </a:ln>
@@ -3396,20 +3304,6 @@
               </a:rPr>
               <a:t>Fifth level</a:t>
             </a:r>
-            <a:endParaRPr kumimoji="0" lang="en-US" sz="1200" b="0" i="0" u="none" strike="noStrike" kern="1200" cap="none" spc="0" normalizeH="0" baseline="0" noProof="0" dirty="0">
-              <a:ln>
-                <a:noFill/>
-              </a:ln>
-              <a:solidFill>
-                <a:srgbClr val="CCCCCC">
-                  <a:lumMod val="50000"/>
-                </a:srgbClr>
-              </a:solidFill>
-              <a:effectLst/>
-              <a:uLnTx/>
-              <a:uFillTx/>
-              <a:latin typeface="+mn-lt"/>
-            </a:endParaRPr>
           </a:p>
         </p:txBody>
       </p:sp>
@@ -3418,13 +3312,6 @@
   <p:clrMapOvr>
     <a:masterClrMapping/>
   </p:clrMapOvr>
-  <p:timing>
-    <p:tnLst>
-      <p:par>
-        <p:cTn id="1" dur="indefinite" restart="never" nodeType="tmRoot"/>
-      </p:par>
-    </p:tnLst>
-  </p:timing>
 </p:sldLayout>
 </file>
 
@@ -3465,14 +3352,14 @@
           </a:lstStyle>
           <a:p>
             <a:r>
-              <a:rPr lang="en-US" noProof="0" dirty="0" smtClean="0"/>
+              <a:rPr lang="en-US" noProof="0" dirty="0"/>
               <a:t>Presentation Title</a:t>
             </a:r>
             <a:br>
-              <a:rPr lang="en-US" noProof="0" dirty="0" smtClean="0"/>
+              <a:rPr lang="en-US" noProof="0" dirty="0"/>
             </a:br>
             <a:r>
-              <a:rPr lang="en-US" cap="small" dirty="0" smtClean="0">
+              <a:rPr lang="en-US" cap="small" dirty="0">
                 <a:solidFill>
                   <a:srgbClr val="FFC000"/>
                 </a:solidFill>
@@ -3514,7 +3401,7 @@
           </a:lstStyle>
           <a:p>
             <a:r>
-              <a:rPr lang="en-US" smtClean="0"/>
+              <a:rPr lang="en-US"/>
               <a:t>Click icon to add picture</a:t>
             </a:r>
             <a:endParaRPr lang="en-US" dirty="0"/>
@@ -3674,7 +3561,7 @@
               <a:defRPr/>
             </a:pPr>
             <a:r>
-              <a:rPr kumimoji="0" lang="en-US" sz="2000" b="0" i="0" u="none" strike="noStrike" kern="1200" cap="none" spc="0" normalizeH="0" baseline="0" noProof="0" dirty="0" smtClean="0">
+              <a:rPr kumimoji="0" lang="en-US" sz="2000" b="0" i="0" u="none" strike="noStrike" kern="1200" cap="none" spc="0" normalizeH="0" baseline="0" noProof="0" dirty="0">
                 <a:ln>
                   <a:noFill/>
                 </a:ln>
@@ -3712,7 +3599,7 @@
               <a:defRPr/>
             </a:pPr>
             <a:r>
-              <a:rPr kumimoji="0" lang="en-US" sz="1800" b="0" i="0" u="none" strike="noStrike" kern="1200" cap="none" spc="0" normalizeH="0" baseline="0" noProof="0" dirty="0" smtClean="0">
+              <a:rPr kumimoji="0" lang="en-US" sz="1800" b="0" i="0" u="none" strike="noStrike" kern="1200" cap="none" spc="0" normalizeH="0" baseline="0" noProof="0" dirty="0">
                 <a:ln>
                   <a:noFill/>
                 </a:ln>
@@ -3750,7 +3637,7 @@
               <a:defRPr/>
             </a:pPr>
             <a:r>
-              <a:rPr kumimoji="0" lang="en-US" sz="1600" b="0" i="0" u="none" strike="noStrike" kern="1200" cap="none" spc="0" normalizeH="0" baseline="0" noProof="0" dirty="0" smtClean="0">
+              <a:rPr kumimoji="0" lang="en-US" sz="1600" b="0" i="0" u="none" strike="noStrike" kern="1200" cap="none" spc="0" normalizeH="0" baseline="0" noProof="0" dirty="0">
                 <a:ln>
                   <a:noFill/>
                 </a:ln>
@@ -3790,7 +3677,7 @@
               <a:defRPr/>
             </a:pPr>
             <a:r>
-              <a:rPr kumimoji="0" lang="en-US" sz="1400" b="0" i="0" u="none" strike="noStrike" kern="1200" cap="none" spc="0" normalizeH="0" baseline="0" noProof="0" dirty="0" smtClean="0">
+              <a:rPr kumimoji="0" lang="en-US" sz="1400" b="0" i="0" u="none" strike="noStrike" kern="1200" cap="none" spc="0" normalizeH="0" baseline="0" noProof="0" dirty="0">
                 <a:ln>
                   <a:noFill/>
                 </a:ln>
@@ -3830,7 +3717,7 @@
               <a:defRPr/>
             </a:pPr>
             <a:r>
-              <a:rPr kumimoji="0" lang="en-US" sz="1200" b="0" i="0" u="none" strike="noStrike" kern="1200" cap="none" spc="0" normalizeH="0" baseline="0" noProof="0" dirty="0" smtClean="0">
+              <a:rPr kumimoji="0" lang="en-US" sz="1200" b="0" i="0" u="none" strike="noStrike" kern="1200" cap="none" spc="0" normalizeH="0" baseline="0" noProof="0" dirty="0">
                 <a:ln>
                   <a:noFill/>
                 </a:ln>
@@ -3846,20 +3733,6 @@
               </a:rPr>
               <a:t>Fifth level</a:t>
             </a:r>
-            <a:endParaRPr kumimoji="0" lang="en-US" sz="1200" b="0" i="0" u="none" strike="noStrike" kern="1200" cap="none" spc="0" normalizeH="0" baseline="0" noProof="0" dirty="0">
-              <a:ln>
-                <a:noFill/>
-              </a:ln>
-              <a:solidFill>
-                <a:srgbClr val="CCCCCC">
-                  <a:lumMod val="50000"/>
-                </a:srgbClr>
-              </a:solidFill>
-              <a:effectLst/>
-              <a:uLnTx/>
-              <a:uFillTx/>
-              <a:latin typeface="Arial"/>
-            </a:endParaRPr>
           </a:p>
         </p:txBody>
       </p:sp>
@@ -3868,13 +3741,6 @@
   <p:clrMapOvr>
     <a:masterClrMapping/>
   </p:clrMapOvr>
-  <p:timing>
-    <p:tnLst>
-      <p:par>
-        <p:cTn id="1" dur="indefinite" restart="never" nodeType="tmRoot"/>
-      </p:par>
-    </p:tnLst>
-  </p:timing>
 </p:sldLayout>
 </file>
 
@@ -3915,14 +3781,14 @@
           </a:lstStyle>
           <a:p>
             <a:r>
-              <a:rPr lang="en-US" noProof="0" dirty="0" smtClean="0"/>
+              <a:rPr lang="en-US" noProof="0" dirty="0"/>
               <a:t>Presentation Title</a:t>
             </a:r>
             <a:br>
-              <a:rPr lang="en-US" noProof="0" dirty="0" smtClean="0"/>
+              <a:rPr lang="en-US" noProof="0" dirty="0"/>
             </a:br>
             <a:r>
-              <a:rPr lang="en-US" cap="small" dirty="0" smtClean="0">
+              <a:rPr lang="en-US" cap="small" dirty="0">
                 <a:solidFill>
                   <a:srgbClr val="FFC000"/>
                 </a:solidFill>
@@ -3982,7 +3848,7 @@
           </a:lstStyle>
           <a:p>
             <a:r>
-              <a:rPr lang="en-US" smtClean="0"/>
+              <a:rPr lang="en-US"/>
               <a:t>Click icon to add picture</a:t>
             </a:r>
             <a:endParaRPr lang="en-US" dirty="0"/>
@@ -4132,7 +3998,7 @@
               <a:defRPr/>
             </a:pPr>
             <a:r>
-              <a:rPr kumimoji="0" lang="en-US" sz="2000" b="0" i="0" u="none" strike="noStrike" kern="1200" cap="none" spc="0" normalizeH="0" baseline="0" noProof="0" dirty="0" smtClean="0">
+              <a:rPr kumimoji="0" lang="en-US" sz="2000" b="0" i="0" u="none" strike="noStrike" kern="1200" cap="none" spc="0" normalizeH="0" baseline="0" noProof="0" dirty="0">
                 <a:ln>
                   <a:noFill/>
                 </a:ln>
@@ -4170,7 +4036,7 @@
               <a:defRPr/>
             </a:pPr>
             <a:r>
-              <a:rPr kumimoji="0" lang="en-US" sz="1800" b="0" i="0" u="none" strike="noStrike" kern="1200" cap="none" spc="0" normalizeH="0" baseline="0" noProof="0" dirty="0" smtClean="0">
+              <a:rPr kumimoji="0" lang="en-US" sz="1800" b="0" i="0" u="none" strike="noStrike" kern="1200" cap="none" spc="0" normalizeH="0" baseline="0" noProof="0" dirty="0">
                 <a:ln>
                   <a:noFill/>
                 </a:ln>
@@ -4208,7 +4074,7 @@
               <a:defRPr/>
             </a:pPr>
             <a:r>
-              <a:rPr kumimoji="0" lang="en-US" sz="1600" b="0" i="0" u="none" strike="noStrike" kern="1200" cap="none" spc="0" normalizeH="0" baseline="0" noProof="0" dirty="0" smtClean="0">
+              <a:rPr kumimoji="0" lang="en-US" sz="1600" b="0" i="0" u="none" strike="noStrike" kern="1200" cap="none" spc="0" normalizeH="0" baseline="0" noProof="0" dirty="0">
                 <a:ln>
                   <a:noFill/>
                 </a:ln>
@@ -4248,7 +4114,7 @@
               <a:defRPr/>
             </a:pPr>
             <a:r>
-              <a:rPr kumimoji="0" lang="en-US" sz="1400" b="0" i="0" u="none" strike="noStrike" kern="1200" cap="none" spc="0" normalizeH="0" baseline="0" noProof="0" dirty="0" smtClean="0">
+              <a:rPr kumimoji="0" lang="en-US" sz="1400" b="0" i="0" u="none" strike="noStrike" kern="1200" cap="none" spc="0" normalizeH="0" baseline="0" noProof="0" dirty="0">
                 <a:ln>
                   <a:noFill/>
                 </a:ln>
@@ -4288,7 +4154,7 @@
               <a:defRPr/>
             </a:pPr>
             <a:r>
-              <a:rPr kumimoji="0" lang="en-US" sz="1200" b="0" i="0" u="none" strike="noStrike" kern="1200" cap="none" spc="0" normalizeH="0" baseline="0" noProof="0" dirty="0" smtClean="0">
+              <a:rPr kumimoji="0" lang="en-US" sz="1200" b="0" i="0" u="none" strike="noStrike" kern="1200" cap="none" spc="0" normalizeH="0" baseline="0" noProof="0" dirty="0">
                 <a:ln>
                   <a:noFill/>
                 </a:ln>
@@ -4304,20 +4170,6 @@
               </a:rPr>
               <a:t>Fifth level</a:t>
             </a:r>
-            <a:endParaRPr kumimoji="0" lang="en-US" sz="1200" b="0" i="0" u="none" strike="noStrike" kern="1200" cap="none" spc="0" normalizeH="0" baseline="0" noProof="0" dirty="0">
-              <a:ln>
-                <a:noFill/>
-              </a:ln>
-              <a:solidFill>
-                <a:srgbClr val="CCCCCC">
-                  <a:lumMod val="50000"/>
-                </a:srgbClr>
-              </a:solidFill>
-              <a:effectLst/>
-              <a:uLnTx/>
-              <a:uFillTx/>
-              <a:latin typeface="Arial"/>
-            </a:endParaRPr>
           </a:p>
         </p:txBody>
       </p:sp>
@@ -4326,13 +4178,6 @@
   <p:clrMapOvr>
     <a:masterClrMapping/>
   </p:clrMapOvr>
-  <p:timing>
-    <p:tnLst>
-      <p:par>
-        <p:cTn id="1" dur="indefinite" restart="never" nodeType="tmRoot"/>
-      </p:par>
-    </p:tnLst>
-  </p:timing>
 </p:sldLayout>
 </file>
 
@@ -4373,14 +4218,14 @@
           </a:lstStyle>
           <a:p>
             <a:r>
-              <a:rPr lang="en-US" noProof="0" dirty="0" smtClean="0"/>
+              <a:rPr lang="en-US" noProof="0" dirty="0"/>
               <a:t>Presentation Title</a:t>
             </a:r>
             <a:br>
-              <a:rPr lang="en-US" noProof="0" dirty="0" smtClean="0"/>
+              <a:rPr lang="en-US" noProof="0" dirty="0"/>
             </a:br>
             <a:r>
-              <a:rPr lang="en-US" cap="small" dirty="0" smtClean="0">
+              <a:rPr lang="en-US" cap="small" dirty="0">
                 <a:solidFill>
                   <a:srgbClr val="FFC000"/>
                 </a:solidFill>
@@ -4440,7 +4285,7 @@
           </a:lstStyle>
           <a:p>
             <a:r>
-              <a:rPr lang="en-US" smtClean="0"/>
+              <a:rPr lang="en-US"/>
               <a:t>Click icon to add picture</a:t>
             </a:r>
             <a:endParaRPr lang="en-US" dirty="0"/>
@@ -4590,7 +4435,7 @@
               <a:defRPr/>
             </a:pPr>
             <a:r>
-              <a:rPr kumimoji="0" lang="en-US" sz="2000" b="0" i="0" u="none" strike="noStrike" kern="1200" cap="none" spc="0" normalizeH="0" baseline="0" noProof="0" dirty="0" smtClean="0">
+              <a:rPr kumimoji="0" lang="en-US" sz="2000" b="0" i="0" u="none" strike="noStrike" kern="1200" cap="none" spc="0" normalizeH="0" baseline="0" noProof="0" dirty="0">
                 <a:ln>
                   <a:noFill/>
                 </a:ln>
@@ -4628,7 +4473,7 @@
               <a:defRPr/>
             </a:pPr>
             <a:r>
-              <a:rPr kumimoji="0" lang="en-US" sz="1800" b="0" i="0" u="none" strike="noStrike" kern="1200" cap="none" spc="0" normalizeH="0" baseline="0" noProof="0" dirty="0" smtClean="0">
+              <a:rPr kumimoji="0" lang="en-US" sz="1800" b="0" i="0" u="none" strike="noStrike" kern="1200" cap="none" spc="0" normalizeH="0" baseline="0" noProof="0" dirty="0">
                 <a:ln>
                   <a:noFill/>
                 </a:ln>
@@ -4666,7 +4511,7 @@
               <a:defRPr/>
             </a:pPr>
             <a:r>
-              <a:rPr kumimoji="0" lang="en-US" sz="1600" b="0" i="0" u="none" strike="noStrike" kern="1200" cap="none" spc="0" normalizeH="0" baseline="0" noProof="0" dirty="0" smtClean="0">
+              <a:rPr kumimoji="0" lang="en-US" sz="1600" b="0" i="0" u="none" strike="noStrike" kern="1200" cap="none" spc="0" normalizeH="0" baseline="0" noProof="0" dirty="0">
                 <a:ln>
                   <a:noFill/>
                 </a:ln>
@@ -4706,7 +4551,7 @@
               <a:defRPr/>
             </a:pPr>
             <a:r>
-              <a:rPr kumimoji="0" lang="en-US" sz="1400" b="0" i="0" u="none" strike="noStrike" kern="1200" cap="none" spc="0" normalizeH="0" baseline="0" noProof="0" dirty="0" smtClean="0">
+              <a:rPr kumimoji="0" lang="en-US" sz="1400" b="0" i="0" u="none" strike="noStrike" kern="1200" cap="none" spc="0" normalizeH="0" baseline="0" noProof="0" dirty="0">
                 <a:ln>
                   <a:noFill/>
                 </a:ln>
@@ -4746,7 +4591,7 @@
               <a:defRPr/>
             </a:pPr>
             <a:r>
-              <a:rPr kumimoji="0" lang="en-US" sz="1200" b="0" i="0" u="none" strike="noStrike" kern="1200" cap="none" spc="0" normalizeH="0" baseline="0" noProof="0" dirty="0" smtClean="0">
+              <a:rPr kumimoji="0" lang="en-US" sz="1200" b="0" i="0" u="none" strike="noStrike" kern="1200" cap="none" spc="0" normalizeH="0" baseline="0" noProof="0" dirty="0">
                 <a:ln>
                   <a:noFill/>
                 </a:ln>
@@ -4762,20 +4607,6 @@
               </a:rPr>
               <a:t>Fifth level</a:t>
             </a:r>
-            <a:endParaRPr kumimoji="0" lang="en-US" sz="1200" b="0" i="0" u="none" strike="noStrike" kern="1200" cap="none" spc="0" normalizeH="0" baseline="0" noProof="0" dirty="0">
-              <a:ln>
-                <a:noFill/>
-              </a:ln>
-              <a:solidFill>
-                <a:srgbClr val="CCCCCC">
-                  <a:lumMod val="50000"/>
-                </a:srgbClr>
-              </a:solidFill>
-              <a:effectLst/>
-              <a:uLnTx/>
-              <a:uFillTx/>
-              <a:latin typeface="Arial"/>
-            </a:endParaRPr>
           </a:p>
         </p:txBody>
       </p:sp>
@@ -4784,13 +4615,6 @@
   <p:clrMapOvr>
     <a:masterClrMapping/>
   </p:clrMapOvr>
-  <p:timing>
-    <p:tnLst>
-      <p:par>
-        <p:cTn id="1" dur="indefinite" restart="never" nodeType="tmRoot"/>
-      </p:par>
-    </p:tnLst>
-  </p:timing>
 </p:sldLayout>
 </file>
 
@@ -4827,14 +4651,14 @@
           <a:lstStyle/>
           <a:p>
             <a:r>
-              <a:rPr lang="en-US" noProof="0" dirty="0" smtClean="0"/>
+              <a:rPr lang="en-US" noProof="0" dirty="0"/>
               <a:t>Presentation Title</a:t>
             </a:r>
             <a:br>
-              <a:rPr lang="en-US" noProof="0" dirty="0" smtClean="0"/>
+              <a:rPr lang="en-US" noProof="0" dirty="0"/>
             </a:br>
             <a:r>
-              <a:rPr lang="en-US" cap="small" dirty="0" smtClean="0">
+              <a:rPr lang="en-US" cap="small" dirty="0">
                 <a:solidFill>
                   <a:srgbClr val="FFC000"/>
                 </a:solidFill>
@@ -4989,7 +4813,7 @@
               <a:defRPr/>
             </a:pPr>
             <a:r>
-              <a:rPr kumimoji="0" lang="en-US" sz="2000" b="0" i="0" u="none" strike="noStrike" kern="1200" cap="none" spc="0" normalizeH="0" baseline="0" noProof="0" dirty="0" smtClean="0">
+              <a:rPr kumimoji="0" lang="en-US" sz="2000" b="0" i="0" u="none" strike="noStrike" kern="1200" cap="none" spc="0" normalizeH="0" baseline="0" noProof="0" dirty="0">
                 <a:ln>
                   <a:noFill/>
                 </a:ln>
@@ -5027,7 +4851,7 @@
               <a:defRPr/>
             </a:pPr>
             <a:r>
-              <a:rPr kumimoji="0" lang="en-US" sz="1800" b="0" i="0" u="none" strike="noStrike" kern="1200" cap="none" spc="0" normalizeH="0" baseline="0" noProof="0" dirty="0" smtClean="0">
+              <a:rPr kumimoji="0" lang="en-US" sz="1800" b="0" i="0" u="none" strike="noStrike" kern="1200" cap="none" spc="0" normalizeH="0" baseline="0" noProof="0" dirty="0">
                 <a:ln>
                   <a:noFill/>
                 </a:ln>
@@ -5142,7 +4966,7 @@
               <a:defRPr/>
             </a:pPr>
             <a:r>
-              <a:rPr kumimoji="0" lang="en-US" sz="2000" b="0" i="0" u="none" strike="noStrike" kern="1200" cap="none" spc="0" normalizeH="0" baseline="0" noProof="0" dirty="0" smtClean="0">
+              <a:rPr kumimoji="0" lang="en-US" sz="2000" b="0" i="0" u="none" strike="noStrike" kern="1200" cap="none" spc="0" normalizeH="0" baseline="0" noProof="0" dirty="0">
                 <a:ln>
                   <a:noFill/>
                 </a:ln>
@@ -5180,7 +5004,7 @@
               <a:defRPr/>
             </a:pPr>
             <a:r>
-              <a:rPr kumimoji="0" lang="en-US" sz="1800" b="0" i="0" u="none" strike="noStrike" kern="1200" cap="none" spc="0" normalizeH="0" baseline="0" noProof="0" dirty="0" smtClean="0">
+              <a:rPr kumimoji="0" lang="en-US" sz="1800" b="0" i="0" u="none" strike="noStrike" kern="1200" cap="none" spc="0" normalizeH="0" baseline="0" noProof="0" dirty="0">
                 <a:ln>
                   <a:noFill/>
                 </a:ln>
@@ -5243,7 +5067,7 @@
           </a:lstStyle>
           <a:p>
             <a:r>
-              <a:rPr lang="en-US" smtClean="0"/>
+              <a:rPr lang="en-US"/>
               <a:t>Click icon to add picture</a:t>
             </a:r>
             <a:endParaRPr lang="en-US" dirty="0"/>
@@ -5280,7 +5104,7 @@
           </a:lstStyle>
           <a:p>
             <a:r>
-              <a:rPr lang="en-US" smtClean="0"/>
+              <a:rPr lang="en-US"/>
               <a:t>Click icon to add picture</a:t>
             </a:r>
             <a:endParaRPr lang="en-US" dirty="0"/>
@@ -5292,13 +5116,6 @@
   <p:clrMapOvr>
     <a:masterClrMapping/>
   </p:clrMapOvr>
-  <p:timing>
-    <p:tnLst>
-      <p:par>
-        <p:cTn id="1" dur="indefinite" restart="never" nodeType="tmRoot"/>
-      </p:par>
-    </p:tnLst>
-  </p:timing>
 </p:sldLayout>
 </file>
 
@@ -5335,14 +5152,14 @@
           <a:lstStyle/>
           <a:p>
             <a:r>
-              <a:rPr lang="en-US" noProof="0" dirty="0" smtClean="0"/>
+              <a:rPr lang="en-US" noProof="0" dirty="0"/>
               <a:t>Presentation Title</a:t>
             </a:r>
             <a:br>
-              <a:rPr lang="en-US" noProof="0" dirty="0" smtClean="0"/>
+              <a:rPr lang="en-US" noProof="0" dirty="0"/>
             </a:br>
             <a:r>
-              <a:rPr lang="en-US" cap="small" dirty="0" smtClean="0">
+              <a:rPr lang="en-US" cap="small" dirty="0">
                 <a:solidFill>
                   <a:srgbClr val="FFC000"/>
                 </a:solidFill>
@@ -5380,7 +5197,7 @@
           <a:p>
             <a:pPr lvl="0"/>
             <a:r>
-              <a:rPr lang="en-US" dirty="0" smtClean="0"/>
+              <a:rPr lang="en-US" dirty="0"/>
               <a:t>Click to add content</a:t>
             </a:r>
           </a:p>
@@ -5391,13 +5208,6 @@
   <p:clrMapOvr>
     <a:masterClrMapping/>
   </p:clrMapOvr>
-  <p:timing>
-    <p:tnLst>
-      <p:par>
-        <p:cTn id="1" dur="indefinite" restart="never" nodeType="tmRoot"/>
-      </p:par>
-    </p:tnLst>
-  </p:timing>
 </p:sldLayout>
 </file>
 
@@ -5440,10 +5250,9 @@
           </a:lstStyle>
           <a:p>
             <a:r>
-              <a:rPr lang="en-US" dirty="0" smtClean="0"/>
+              <a:rPr lang="en-US" dirty="0"/>
               <a:t>Discussion panel</a:t>
             </a:r>
-            <a:endParaRPr lang="en-US" dirty="0"/>
           </a:p>
         </p:txBody>
       </p:sp>
@@ -5479,37 +5288,37 @@
           </a:lstStyle>
           <a:p>
             <a:r>
-              <a:rPr lang="en-US" dirty="0" smtClean="0"/>
+              <a:rPr lang="en-US" dirty="0"/>
               <a:t>Title of discussion panel</a:t>
             </a:r>
           </a:p>
           <a:p>
             <a:r>
-              <a:rPr lang="en-US" b="0" dirty="0" smtClean="0"/>
+              <a:rPr lang="en-US" b="0" dirty="0"/>
               <a:t>Speaker Name, Company 1</a:t>
             </a:r>
           </a:p>
           <a:p>
             <a:r>
-              <a:rPr lang="en-US" b="0" dirty="0" smtClean="0"/>
+              <a:rPr lang="en-US" b="0" dirty="0"/>
               <a:t>Speaker Name, Company 2</a:t>
             </a:r>
           </a:p>
           <a:p>
             <a:r>
-              <a:rPr lang="en-US" b="0" dirty="0" smtClean="0"/>
+              <a:rPr lang="en-US" b="0" dirty="0"/>
               <a:t>Speaker Name, Company 3</a:t>
             </a:r>
           </a:p>
           <a:p>
             <a:r>
-              <a:rPr lang="en-US" b="0" dirty="0" smtClean="0"/>
+              <a:rPr lang="en-US" b="0" dirty="0"/>
               <a:t>Speaker Name, Company 4</a:t>
             </a:r>
           </a:p>
           <a:p>
             <a:r>
-              <a:rPr lang="en-US" b="0" dirty="0" smtClean="0"/>
+              <a:rPr lang="en-US" b="0" dirty="0"/>
               <a:t>Speaker Name, Company 5</a:t>
             </a:r>
           </a:p>
@@ -5520,13 +5329,6 @@
   <p:clrMapOvr>
     <a:masterClrMapping/>
   </p:clrMapOvr>
-  <p:timing>
-    <p:tnLst>
-      <p:par>
-        <p:cTn id="1" dur="indefinite" restart="never" nodeType="tmRoot"/>
-      </p:par>
-    </p:tnLst>
-  </p:timing>
 </p:sldLayout>
 </file>
 
@@ -5591,7 +5393,7 @@
               </a:pPr>
               <a:t>‹#›</a:t>
             </a:fld>
-            <a:endParaRPr lang="en-US" sz="900" noProof="0" dirty="0" smtClean="0">
+            <a:endParaRPr lang="en-US" sz="900" noProof="0" dirty="0">
               <a:solidFill>
                 <a:schemeClr val="tx1"/>
               </a:solidFill>
@@ -5630,7 +5432,7 @@
               <a:tabLst/>
             </a:pPr>
             <a:r>
-              <a:rPr lang="en-US" sz="900" noProof="0" dirty="0" smtClean="0">
+              <a:rPr lang="en-US" sz="900" noProof="0" dirty="0">
                 <a:solidFill>
                   <a:schemeClr val="tx1"/>
                 </a:solidFill>
@@ -5645,13 +5447,6 @@
   <p:clrMapOvr>
     <a:masterClrMapping/>
   </p:clrMapOvr>
-  <p:timing>
-    <p:tnLst>
-      <p:par>
-        <p:cTn id="1" dur="indefinite" restart="never" nodeType="tmRoot"/>
-      </p:par>
-    </p:tnLst>
-  </p:timing>
 </p:sldLayout>
 </file>
 
@@ -5729,7 +5524,7 @@
               <a:buSzPct val="80000"/>
               <a:tabLst/>
             </a:pPr>
-            <a:endParaRPr kumimoji="0" lang="en-US" b="0" i="0" u="none" strike="noStrike" kern="0" cap="none" spc="0" normalizeH="0" baseline="0" noProof="0" dirty="0" smtClean="0">
+            <a:endParaRPr kumimoji="0" lang="en-US" b="0" i="0" u="none" strike="noStrike" kern="0" cap="none" spc="0" normalizeH="0" baseline="0" noProof="0" dirty="0">
               <a:ln>
                 <a:noFill/>
               </a:ln>
@@ -5786,7 +5581,7 @@
               <a:buSzPct val="80000"/>
               <a:tabLst/>
             </a:pPr>
-            <a:endParaRPr kumimoji="0" lang="en-US" sz="1900" b="0" i="0" u="none" strike="noStrike" kern="0" cap="none" spc="0" normalizeH="0" baseline="0" noProof="0" dirty="0" err="1" smtClean="0">
+            <a:endParaRPr kumimoji="0" lang="en-US" sz="1900" b="0" i="0" u="none" strike="noStrike" kern="0" cap="none" spc="0" normalizeH="0" baseline="0" noProof="0" dirty="0" err="1">
               <a:ln>
                 <a:noFill/>
               </a:ln>
@@ -5927,14 +5722,14 @@
           </a:lstStyle>
           <a:p>
             <a:r>
-              <a:rPr lang="en-US" dirty="0" smtClean="0"/>
+              <a:rPr lang="en-US" dirty="0"/>
               <a:t>Speaker’s Name/Department (delete if not needed)</a:t>
             </a:r>
             <a:br>
-              <a:rPr lang="en-US" dirty="0" smtClean="0"/>
+              <a:rPr lang="en-US" dirty="0"/>
             </a:br>
             <a:r>
-              <a:rPr lang="en-US" dirty="0" smtClean="0"/>
+              <a:rPr lang="en-US" dirty="0"/>
               <a:t>Month 00, 2015</a:t>
             </a:r>
           </a:p>
@@ -5972,14 +5767,14 @@
           </a:lstStyle>
           <a:p>
             <a:r>
-              <a:rPr lang="en-US" sz="3600" dirty="0" smtClean="0"/>
+              <a:rPr lang="en-US" sz="3600" dirty="0"/>
               <a:t>Alternate Presentation Title</a:t>
             </a:r>
             <a:br>
-              <a:rPr lang="en-US" sz="3600" dirty="0" smtClean="0"/>
+              <a:rPr lang="en-US" sz="3600" dirty="0"/>
             </a:br>
             <a:r>
-              <a:rPr lang="en-US" sz="3600" dirty="0" smtClean="0"/>
+              <a:rPr lang="en-US" sz="3600" dirty="0"/>
               <a:t>Breaks to Two Lines</a:t>
             </a:r>
             <a:endParaRPr lang="en-US" dirty="0"/>
@@ -6025,13 +5820,6 @@
   <p:clrMapOvr>
     <a:masterClrMapping/>
   </p:clrMapOvr>
-  <p:timing>
-    <p:tnLst>
-      <p:par>
-        <p:cTn id="1" dur="indefinite" restart="never" nodeType="tmRoot"/>
-      </p:par>
-    </p:tnLst>
-  </p:timing>
 </p:sldLayout>
 </file>
 
@@ -6085,7 +5873,7 @@
               <a:buNone/>
             </a:pPr>
             <a:r>
-              <a:rPr lang="en-US" sz="2900" b="1" kern="1200" noProof="0" dirty="0" smtClean="0">
+              <a:rPr lang="en-US" sz="2900" b="1" kern="1200" noProof="0" dirty="0">
                 <a:solidFill>
                   <a:schemeClr val="accent2"/>
                 </a:solidFill>
@@ -6096,7 +5884,7 @@
               <a:t>© 2015 SAP SE or an SAP affiliate company.</a:t>
             </a:r>
             <a:r>
-              <a:rPr lang="en-US" sz="2900" b="1" kern="1200" baseline="0" noProof="0" dirty="0" smtClean="0">
+              <a:rPr lang="en-US" sz="2900" b="1" kern="1200" baseline="0" noProof="0" dirty="0">
                 <a:solidFill>
                   <a:schemeClr val="accent2"/>
                 </a:solidFill>
@@ -6107,7 +5895,7 @@
               <a:t> </a:t>
             </a:r>
             <a:r>
-              <a:rPr lang="en-US" sz="2900" b="1" kern="1200" noProof="0" dirty="0" smtClean="0">
+              <a:rPr lang="en-US" sz="2900" b="1" kern="1200" noProof="0" dirty="0">
                 <a:solidFill>
                   <a:schemeClr val="accent2"/>
                 </a:solidFill>
@@ -6143,7 +5931,7 @@
           <a:lstStyle/>
           <a:p>
             <a:r>
-              <a:rPr lang="en-US" sz="1200" kern="1200" dirty="0" smtClean="0">
+              <a:rPr lang="en-US" sz="1200" kern="1200" dirty="0">
                 <a:solidFill>
                   <a:schemeClr val="tx1"/>
                 </a:solidFill>
@@ -6156,7 +5944,7 @@
           </a:p>
           <a:p>
             <a:r>
-              <a:rPr lang="en-US" sz="1200" kern="1200" dirty="0" smtClean="0">
+              <a:rPr lang="en-US" sz="1200" kern="1200" dirty="0">
                 <a:solidFill>
                   <a:schemeClr val="tx1"/>
                 </a:solidFill>
@@ -6174,7 +5962,7 @@
               </a:spcBef>
             </a:pPr>
             <a:r>
-              <a:rPr lang="en-US" sz="1200" kern="1200" dirty="0" smtClean="0">
+              <a:rPr lang="en-US" sz="1200" kern="1200" dirty="0">
                 <a:solidFill>
                   <a:schemeClr val="tx1"/>
                 </a:solidFill>
@@ -6185,7 +5973,7 @@
               <a:t>SAP and other SAP products and services mentioned herein as well as their respective logos are trademarks or registered trademarks of SAP SE </a:t>
             </a:r>
             <a:br>
-              <a:rPr lang="en-US" sz="1200" kern="1200" dirty="0" smtClean="0">
+              <a:rPr lang="en-US" sz="1200" kern="1200" dirty="0">
                 <a:solidFill>
                   <a:schemeClr val="tx1"/>
                 </a:solidFill>
@@ -6195,7 +5983,7 @@
               </a:rPr>
             </a:br>
             <a:r>
-              <a:rPr lang="en-US" sz="1200" kern="1200" dirty="0" smtClean="0">
+              <a:rPr lang="en-US" sz="1200" kern="1200" dirty="0">
                 <a:solidFill>
                   <a:schemeClr val="tx1"/>
                 </a:solidFill>
@@ -6206,7 +5994,7 @@
               <a:t>(or an SAP affiliate company) in Germany and other countries. Please see </a:t>
             </a:r>
             <a:r>
-              <a:rPr lang="en-US" sz="1200" kern="1200" dirty="0" smtClean="0">
+              <a:rPr lang="en-US" sz="1200" kern="1200" dirty="0">
                 <a:solidFill>
                   <a:schemeClr val="tx1"/>
                 </a:solidFill>
@@ -6218,7 +6006,7 @@
               <a:t>http://global12.sap.com/corporate-en/legal/copyright/index.epx</a:t>
             </a:r>
             <a:r>
-              <a:rPr lang="en-US" sz="1200" kern="1200" dirty="0" smtClean="0">
+              <a:rPr lang="en-US" sz="1200" kern="1200" dirty="0">
                 <a:solidFill>
                   <a:schemeClr val="tx1"/>
                 </a:solidFill>
@@ -6236,7 +6024,7 @@
               </a:spcBef>
             </a:pPr>
             <a:r>
-              <a:rPr lang="en-US" sz="1200" kern="1200" dirty="0" smtClean="0">
+              <a:rPr lang="en-US" sz="1200" kern="1200" dirty="0">
                 <a:solidFill>
                   <a:schemeClr val="tx1"/>
                 </a:solidFill>
@@ -6254,7 +6042,7 @@
               </a:spcBef>
             </a:pPr>
             <a:r>
-              <a:rPr lang="en-US" sz="1200" kern="1200" dirty="0" smtClean="0">
+              <a:rPr lang="en-US" sz="1200" kern="1200" dirty="0">
                 <a:solidFill>
                   <a:schemeClr val="tx1"/>
                 </a:solidFill>
@@ -6272,7 +6060,7 @@
               </a:spcBef>
             </a:pPr>
             <a:r>
-              <a:rPr lang="en-US" sz="1200" kern="1200" dirty="0" smtClean="0">
+              <a:rPr lang="en-US" sz="1200" kern="1200" dirty="0">
                 <a:solidFill>
                   <a:schemeClr val="tx1"/>
                 </a:solidFill>
@@ -6283,7 +6071,7 @@
               <a:t>These materials are provided by SAP SE or an SAP affiliate company for informational purposes only, without representation or warranty of any kind, and SAP SE or its affiliated companies shall not be liable for errors or omissions with respect to the materials. The only warranties for SAP SE or </a:t>
             </a:r>
             <a:br>
-              <a:rPr lang="en-US" sz="1200" kern="1200" dirty="0" smtClean="0">
+              <a:rPr lang="en-US" sz="1200" kern="1200" dirty="0">
                 <a:solidFill>
                   <a:schemeClr val="tx1"/>
                 </a:solidFill>
@@ -6293,7 +6081,7 @@
               </a:rPr>
             </a:br>
             <a:r>
-              <a:rPr lang="en-US" sz="1200" kern="1200" dirty="0" smtClean="0">
+              <a:rPr lang="en-US" sz="1200" kern="1200" dirty="0">
                 <a:solidFill>
                   <a:schemeClr val="tx1"/>
                 </a:solidFill>
@@ -6311,7 +6099,7 @@
               </a:spcBef>
             </a:pPr>
             <a:r>
-              <a:rPr lang="en-US" sz="1200" kern="1200" dirty="0" smtClean="0">
+              <a:rPr lang="en-US" sz="1200" kern="1200" dirty="0">
                 <a:solidFill>
                   <a:schemeClr val="tx1"/>
                 </a:solidFill>
@@ -6329,13 +6117,6 @@
   <p:clrMapOvr>
     <a:masterClrMapping/>
   </p:clrMapOvr>
-  <p:timing>
-    <p:tnLst>
-      <p:par>
-        <p:cTn id="1" dur="indefinite" restart="never" nodeType="tmRoot"/>
-      </p:par>
-    </p:tnLst>
-  </p:timing>
 </p:sldLayout>
 </file>
 
@@ -6400,7 +6181,7 @@
               <a:defRPr/>
             </a:pPr>
             <a:r>
-              <a:rPr lang="en-US" sz="2900" b="1" kern="1200" noProof="0" dirty="0" smtClean="0">
+              <a:rPr lang="en-US" sz="2900" b="1" kern="1200" noProof="0" dirty="0">
                 <a:solidFill>
                   <a:schemeClr val="accent2"/>
                 </a:solidFill>
@@ -6411,7 +6192,7 @@
               <a:t>© 2015 SAP SE </a:t>
             </a:r>
             <a:r>
-              <a:rPr lang="en-US" sz="2900" b="1" kern="1200" noProof="0" dirty="0" err="1" smtClean="0">
+              <a:rPr lang="en-US" sz="2900" b="1" kern="1200" noProof="0" dirty="0" err="1">
                 <a:solidFill>
                   <a:schemeClr val="accent2"/>
                 </a:solidFill>
@@ -6422,7 +6203,7 @@
               <a:t>oder</a:t>
             </a:r>
             <a:r>
-              <a:rPr lang="en-US" sz="2900" b="1" kern="1200" noProof="0" dirty="0" smtClean="0">
+              <a:rPr lang="en-US" sz="2900" b="1" kern="1200" noProof="0" dirty="0">
                 <a:solidFill>
                   <a:schemeClr val="accent2"/>
                 </a:solidFill>
@@ -6433,7 +6214,7 @@
               <a:t> </a:t>
             </a:r>
             <a:r>
-              <a:rPr lang="en-US" sz="2900" b="1" kern="1200" noProof="0" dirty="0" err="1" smtClean="0">
+              <a:rPr lang="en-US" sz="2900" b="1" kern="1200" noProof="0" dirty="0" err="1">
                 <a:solidFill>
                   <a:schemeClr val="accent2"/>
                 </a:solidFill>
@@ -6444,7 +6225,7 @@
               <a:t>ein</a:t>
             </a:r>
             <a:r>
-              <a:rPr lang="en-US" sz="2900" b="1" kern="1200" noProof="0" dirty="0" smtClean="0">
+              <a:rPr lang="en-US" sz="2900" b="1" kern="1200" noProof="0" dirty="0">
                 <a:solidFill>
                   <a:schemeClr val="accent2"/>
                 </a:solidFill>
@@ -6455,7 +6236,7 @@
               <a:t> SAP-</a:t>
             </a:r>
             <a:r>
-              <a:rPr lang="en-US" sz="2900" b="1" kern="1200" noProof="0" dirty="0" err="1" smtClean="0">
+              <a:rPr lang="en-US" sz="2900" b="1" kern="1200" noProof="0" dirty="0" err="1">
                 <a:solidFill>
                   <a:schemeClr val="accent2"/>
                 </a:solidFill>
@@ -6466,7 +6247,7 @@
               <a:t>Konzernunternehmen</a:t>
             </a:r>
             <a:r>
-              <a:rPr lang="en-US" sz="2900" b="1" kern="1200" noProof="0" dirty="0" smtClean="0">
+              <a:rPr lang="en-US" sz="2900" b="1" kern="1200" noProof="0" dirty="0">
                 <a:solidFill>
                   <a:schemeClr val="accent2"/>
                 </a:solidFill>
@@ -6477,7 +6258,7 @@
               <a:t>. </a:t>
             </a:r>
             <a:br>
-              <a:rPr lang="en-US" sz="2900" b="1" kern="1200" noProof="0" dirty="0" smtClean="0">
+              <a:rPr lang="en-US" sz="2900" b="1" kern="1200" noProof="0" dirty="0">
                 <a:solidFill>
                   <a:schemeClr val="accent2"/>
                 </a:solidFill>
@@ -6487,7 +6268,7 @@
               </a:rPr>
             </a:br>
             <a:r>
-              <a:rPr lang="en-US" sz="2900" b="1" kern="1200" noProof="0" dirty="0" err="1" smtClean="0">
+              <a:rPr lang="en-US" sz="2900" b="1" kern="1200" noProof="0" dirty="0" err="1">
                 <a:solidFill>
                   <a:schemeClr val="accent2"/>
                 </a:solidFill>
@@ -6498,7 +6279,7 @@
               <a:t>Alle</a:t>
             </a:r>
             <a:r>
-              <a:rPr lang="en-US" sz="2900" b="1" kern="1200" noProof="0" dirty="0" smtClean="0">
+              <a:rPr lang="en-US" sz="2900" b="1" kern="1200" noProof="0" dirty="0">
                 <a:solidFill>
                   <a:schemeClr val="accent2"/>
                 </a:solidFill>
@@ -6509,7 +6290,7 @@
               <a:t> </a:t>
             </a:r>
             <a:r>
-              <a:rPr lang="en-US" sz="2900" b="1" kern="1200" noProof="0" dirty="0" err="1" smtClean="0">
+              <a:rPr lang="en-US" sz="2900" b="1" kern="1200" noProof="0" dirty="0" err="1">
                 <a:solidFill>
                   <a:schemeClr val="accent2"/>
                 </a:solidFill>
@@ -6520,7 +6301,7 @@
               <a:t>Rechte</a:t>
             </a:r>
             <a:r>
-              <a:rPr lang="en-US" sz="2900" b="1" kern="1200" noProof="0" dirty="0" smtClean="0">
+              <a:rPr lang="en-US" sz="2900" b="1" kern="1200" noProof="0" dirty="0">
                 <a:solidFill>
                   <a:schemeClr val="accent2"/>
                 </a:solidFill>
@@ -6531,7 +6312,7 @@
               <a:t> </a:t>
             </a:r>
             <a:r>
-              <a:rPr lang="en-US" sz="2900" b="1" kern="1200" noProof="0" dirty="0" err="1" smtClean="0">
+              <a:rPr lang="en-US" sz="2900" b="1" kern="1200" noProof="0" dirty="0" err="1">
                 <a:solidFill>
                   <a:schemeClr val="accent2"/>
                 </a:solidFill>
@@ -6542,7 +6323,7 @@
               <a:t>vorbehalten</a:t>
             </a:r>
             <a:r>
-              <a:rPr lang="en-US" sz="2900" b="1" kern="1200" noProof="0" dirty="0" smtClean="0">
+              <a:rPr lang="en-US" sz="2900" b="1" kern="1200" noProof="0" dirty="0">
                 <a:solidFill>
                   <a:schemeClr val="accent2"/>
                 </a:solidFill>
@@ -6578,7 +6359,7 @@
           <a:lstStyle/>
           <a:p>
             <a:r>
-              <a:rPr lang="de-DE" sz="1200" kern="1200" noProof="0" dirty="0" smtClean="0">
+              <a:rPr lang="de-DE" sz="1200" kern="1200" noProof="0" dirty="0">
                 <a:solidFill>
                   <a:schemeClr val="tx1"/>
                 </a:solidFill>
@@ -6590,7 +6371,7 @@
               <a:t>Weitergabe und Vervielfältigung dieser Publikation oder von Teilen daraus sind, zu welchem Zweck und in welcher Form auch immer, ohne die ausdrückliche schriftliche Genehmigung durch </a:t>
             </a:r>
             <a:r>
-              <a:rPr lang="en-US" sz="1200" kern="1200" dirty="0" smtClean="0">
+              <a:rPr lang="en-US" sz="1200" kern="1200" dirty="0">
                 <a:solidFill>
                   <a:schemeClr val="tx1"/>
                 </a:solidFill>
@@ -6601,7 +6382,7 @@
               <a:t>SAP SE </a:t>
             </a:r>
             <a:r>
-              <a:rPr lang="de-DE" sz="1200" kern="1200" noProof="0" dirty="0" smtClean="0">
+              <a:rPr lang="de-DE" sz="1200" kern="1200" noProof="0" dirty="0">
                 <a:solidFill>
                   <a:schemeClr val="tx1"/>
                 </a:solidFill>
@@ -6620,7 +6401,7 @@
               </a:spcBef>
             </a:pPr>
             <a:r>
-              <a:rPr lang="de-DE" sz="1200" kern="1200" noProof="0" dirty="0" smtClean="0">
+              <a:rPr lang="de-DE" sz="1200" kern="1200" noProof="0" dirty="0">
                 <a:solidFill>
                   <a:schemeClr val="tx1"/>
                 </a:solidFill>
@@ -6632,7 +6413,7 @@
               <a:t>SAP und andere in diesem Dokument erwähnte Produkte und Dienstleistungen von SAP sowie die dazugehörigen Logos sind Marken oder eingetragene Marken der </a:t>
             </a:r>
             <a:br>
-              <a:rPr lang="de-DE" sz="1200" kern="1200" noProof="0" dirty="0" smtClean="0">
+              <a:rPr lang="de-DE" sz="1200" kern="1200" noProof="0" dirty="0">
                 <a:solidFill>
                   <a:schemeClr val="tx1"/>
                 </a:solidFill>
@@ -6643,7 +6424,7 @@
               </a:rPr>
             </a:br>
             <a:r>
-              <a:rPr lang="en-US" sz="1200" kern="1200" dirty="0" smtClean="0">
+              <a:rPr lang="en-US" sz="1200" kern="1200" dirty="0">
                 <a:solidFill>
                   <a:schemeClr val="tx1"/>
                 </a:solidFill>
@@ -6654,7 +6435,7 @@
               <a:t>SAP SE </a:t>
             </a:r>
             <a:r>
-              <a:rPr lang="de-DE" sz="1200" kern="1200" noProof="0" dirty="0" smtClean="0">
+              <a:rPr lang="de-DE" sz="1200" kern="1200" noProof="0" dirty="0">
                 <a:solidFill>
                   <a:schemeClr val="tx1"/>
                 </a:solidFill>
@@ -6666,7 +6447,7 @@
               <a:t>(oder von einem SAP-Konzernunternehmen) in Deutschland und verschiedenen anderen Ländern weltweit. </a:t>
             </a:r>
             <a:br>
-              <a:rPr lang="de-DE" sz="1200" kern="1200" noProof="0" dirty="0" smtClean="0">
+              <a:rPr lang="de-DE" sz="1200" kern="1200" noProof="0" dirty="0">
                 <a:solidFill>
                   <a:schemeClr val="tx1"/>
                 </a:solidFill>
@@ -6677,7 +6458,7 @@
               </a:rPr>
             </a:br>
             <a:r>
-              <a:rPr lang="de-DE" sz="1200" kern="1200" noProof="0" dirty="0" smtClean="0">
+              <a:rPr lang="de-DE" sz="1200" kern="1200" noProof="0" dirty="0">
                 <a:solidFill>
                   <a:schemeClr val="tx1"/>
                 </a:solidFill>
@@ -6689,7 +6470,7 @@
               <a:t>Weitere Hinweise und Informationen zum Markenrecht finden Sie unter </a:t>
             </a:r>
             <a:r>
-              <a:rPr lang="de-DE" sz="1200" kern="1200" noProof="0" dirty="0" smtClean="0">
+              <a:rPr lang="de-DE" sz="1200" kern="1200" noProof="0" dirty="0">
                 <a:solidFill>
                   <a:schemeClr val="tx1"/>
                 </a:solidFill>
@@ -6702,7 +6483,7 @@
               <a:t>http://global.sap.com/corporate-de/legal/copyright/index.epx</a:t>
             </a:r>
             <a:r>
-              <a:rPr lang="de-DE" sz="1200" kern="1200" noProof="0" dirty="0" smtClean="0">
+              <a:rPr lang="de-DE" sz="1200" kern="1200" noProof="0" dirty="0">
                 <a:solidFill>
                   <a:schemeClr val="tx1"/>
                 </a:solidFill>
@@ -6721,7 +6502,7 @@
               </a:spcBef>
             </a:pPr>
             <a:r>
-              <a:rPr lang="de-DE" sz="1200" kern="1200" noProof="0" dirty="0" smtClean="0">
+              <a:rPr lang="de-DE" sz="1200" kern="1200" noProof="0" dirty="0">
                 <a:solidFill>
                   <a:schemeClr val="tx1"/>
                 </a:solidFill>
@@ -6733,7 +6514,7 @@
               <a:t>Die von </a:t>
             </a:r>
             <a:r>
-              <a:rPr lang="en-US" sz="1200" kern="1200" dirty="0" smtClean="0">
+              <a:rPr lang="en-US" sz="1200" kern="1200" dirty="0">
                 <a:solidFill>
                   <a:schemeClr val="tx1"/>
                 </a:solidFill>
@@ -6744,7 +6525,7 @@
               <a:t>SAP SE </a:t>
             </a:r>
             <a:r>
-              <a:rPr lang="de-DE" sz="1200" kern="1200" noProof="0" dirty="0" smtClean="0">
+              <a:rPr lang="de-DE" sz="1200" kern="1200" noProof="0" dirty="0">
                 <a:solidFill>
                   <a:schemeClr val="tx1"/>
                 </a:solidFill>
@@ -6763,7 +6544,7 @@
               </a:spcBef>
             </a:pPr>
             <a:r>
-              <a:rPr lang="de-DE" sz="1200" kern="1200" noProof="0" dirty="0" smtClean="0">
+              <a:rPr lang="de-DE" sz="1200" kern="1200" noProof="0" dirty="0">
                 <a:solidFill>
                   <a:schemeClr val="tx1"/>
                 </a:solidFill>
@@ -6782,7 +6563,7 @@
               </a:spcBef>
             </a:pPr>
             <a:r>
-              <a:rPr lang="de-DE" sz="1200" kern="1200" noProof="0" dirty="0" smtClean="0">
+              <a:rPr lang="de-DE" sz="1200" kern="1200" noProof="0" dirty="0">
                 <a:solidFill>
                   <a:schemeClr val="tx1"/>
                 </a:solidFill>
@@ -6794,7 +6575,7 @@
               <a:t>Die vorliegenden Unterlagen werden von der </a:t>
             </a:r>
             <a:r>
-              <a:rPr lang="en-US" sz="1200" kern="1200" dirty="0" smtClean="0">
+              <a:rPr lang="en-US" sz="1200" kern="1200" dirty="0">
                 <a:solidFill>
                   <a:schemeClr val="tx1"/>
                 </a:solidFill>
@@ -6805,7 +6586,7 @@
               <a:t>SAP SE </a:t>
             </a:r>
             <a:r>
-              <a:rPr lang="de-DE" sz="1200" kern="1200" noProof="0" dirty="0" smtClean="0">
+              <a:rPr lang="de-DE" sz="1200" kern="1200" noProof="0" dirty="0">
                 <a:solidFill>
                   <a:schemeClr val="tx1"/>
                 </a:solidFill>
@@ -6817,7 +6598,7 @@
               <a:t>oder einem SAP-Konzernunternehmen bereitgestellt und dienen ausschließlich zu Informations-zwecken. </a:t>
             </a:r>
             <a:br>
-              <a:rPr lang="de-DE" sz="1200" kern="1200" noProof="0" dirty="0" smtClean="0">
+              <a:rPr lang="de-DE" sz="1200" kern="1200" noProof="0" dirty="0">
                 <a:solidFill>
                   <a:schemeClr val="tx1"/>
                 </a:solidFill>
@@ -6828,7 +6609,7 @@
               </a:rPr>
             </a:br>
             <a:r>
-              <a:rPr lang="de-DE" sz="1200" kern="1200" noProof="0" dirty="0" smtClean="0">
+              <a:rPr lang="de-DE" sz="1200" kern="1200" noProof="0" dirty="0">
                 <a:solidFill>
                   <a:schemeClr val="tx1"/>
                 </a:solidFill>
@@ -6840,7 +6621,7 @@
               <a:t>Die </a:t>
             </a:r>
             <a:r>
-              <a:rPr lang="en-US" sz="1200" kern="1200" dirty="0" smtClean="0">
+              <a:rPr lang="en-US" sz="1200" kern="1200" dirty="0">
                 <a:solidFill>
                   <a:schemeClr val="tx1"/>
                 </a:solidFill>
@@ -6851,7 +6632,7 @@
               <a:t>SAP SE </a:t>
             </a:r>
             <a:r>
-              <a:rPr lang="de-DE" sz="1200" kern="1200" noProof="0" dirty="0" smtClean="0">
+              <a:rPr lang="de-DE" sz="1200" kern="1200" noProof="0" dirty="0">
                 <a:solidFill>
                   <a:schemeClr val="tx1"/>
                 </a:solidFill>
@@ -6863,7 +6644,7 @@
               <a:t>oder ihre Konzernunternehmen übernehmen keinerlei Haftung oder Gewährleistung für Fehler oder Unvollständigkeiten in </a:t>
             </a:r>
             <a:r>
-              <a:rPr lang="de-DE" sz="1200" kern="1200" baseline="0" noProof="0" dirty="0" smtClean="0">
+              <a:rPr lang="de-DE" sz="1200" kern="1200" baseline="0" noProof="0" dirty="0">
                 <a:solidFill>
                   <a:schemeClr val="tx1"/>
                 </a:solidFill>
@@ -6875,7 +6656,7 @@
               <a:t> </a:t>
             </a:r>
             <a:r>
-              <a:rPr lang="de-DE" sz="1200" kern="1200" noProof="0" dirty="0" smtClean="0">
+              <a:rPr lang="de-DE" sz="1200" kern="1200" noProof="0" dirty="0">
                 <a:solidFill>
                   <a:schemeClr val="tx1"/>
                 </a:solidFill>
@@ -6887,7 +6668,7 @@
               <a:t>dieser Publikation. </a:t>
             </a:r>
             <a:br>
-              <a:rPr lang="de-DE" sz="1200" kern="1200" noProof="0" dirty="0" smtClean="0">
+              <a:rPr lang="de-DE" sz="1200" kern="1200" noProof="0" dirty="0">
                 <a:solidFill>
                   <a:schemeClr val="tx1"/>
                 </a:solidFill>
@@ -6898,7 +6679,7 @@
               </a:rPr>
             </a:br>
             <a:r>
-              <a:rPr lang="de-DE" sz="1200" kern="1200" noProof="0" dirty="0" smtClean="0">
+              <a:rPr lang="de-DE" sz="1200" kern="1200" noProof="0" dirty="0">
                 <a:solidFill>
                   <a:schemeClr val="tx1"/>
                 </a:solidFill>
@@ -6910,7 +6691,7 @@
               <a:t>Die </a:t>
             </a:r>
             <a:r>
-              <a:rPr lang="en-US" sz="1200" kern="1200" dirty="0" smtClean="0">
+              <a:rPr lang="en-US" sz="1200" kern="1200" dirty="0">
                 <a:solidFill>
                   <a:schemeClr val="tx1"/>
                 </a:solidFill>
@@ -6921,7 +6702,7 @@
               <a:t>SAP SE </a:t>
             </a:r>
             <a:r>
-              <a:rPr lang="de-DE" sz="1200" kern="1200" noProof="0" dirty="0" smtClean="0">
+              <a:rPr lang="de-DE" sz="1200" kern="1200" noProof="0" dirty="0">
                 <a:solidFill>
                   <a:schemeClr val="tx1"/>
                 </a:solidFill>
@@ -6940,7 +6721,7 @@
               </a:spcBef>
             </a:pPr>
             <a:r>
-              <a:rPr lang="de-DE" sz="1200" kern="1200" noProof="0" dirty="0" smtClean="0">
+              <a:rPr lang="de-DE" sz="1200" kern="1200" noProof="0" dirty="0">
                 <a:solidFill>
                   <a:schemeClr val="tx1"/>
                 </a:solidFill>
@@ -6952,7 +6733,7 @@
               <a:t>Insbesondere sind die </a:t>
             </a:r>
             <a:r>
-              <a:rPr lang="en-US" sz="1200" kern="1200" dirty="0" smtClean="0">
+              <a:rPr lang="en-US" sz="1200" kern="1200" dirty="0">
                 <a:solidFill>
                   <a:schemeClr val="tx1"/>
                 </a:solidFill>
@@ -6963,7 +6744,7 @@
               <a:t>SAP SE </a:t>
             </a:r>
             <a:r>
-              <a:rPr lang="de-DE" sz="1200" kern="1200" noProof="0" dirty="0" smtClean="0">
+              <a:rPr lang="de-DE" sz="1200" kern="1200" noProof="0" dirty="0">
                 <a:solidFill>
                   <a:schemeClr val="tx1"/>
                 </a:solidFill>
@@ -6975,7 +6756,7 @@
               <a:t>oder ihre Konzernunternehmen in keiner Weise verpflichtet, in dieser Publikation oder einer zugehörigen Präsentation dargestellte Geschäftsabläufe zu verfolgen oder hierin wiedergegebene Funktionen zu entwickeln oder zu veröffentlichen. Diese Publikation oder eine zugehörige Präsentation, die Strategie und etwaige künftige Entwicklungen, Produkte und/oder Plattformen der </a:t>
             </a:r>
             <a:r>
-              <a:rPr lang="en-US" sz="1200" kern="1200" dirty="0" smtClean="0">
+              <a:rPr lang="en-US" sz="1200" kern="1200" dirty="0">
                 <a:solidFill>
                   <a:schemeClr val="tx1"/>
                 </a:solidFill>
@@ -6986,7 +6767,7 @@
               <a:t>SAP SE </a:t>
             </a:r>
             <a:r>
-              <a:rPr lang="de-DE" sz="1200" kern="1200" noProof="0" dirty="0" smtClean="0">
+              <a:rPr lang="de-DE" sz="1200" kern="1200" noProof="0" dirty="0">
                 <a:solidFill>
                   <a:schemeClr val="tx1"/>
                 </a:solidFill>
@@ -6998,7 +6779,7 @@
               <a:t>oder ihrer Konzernunternehmen können von der </a:t>
             </a:r>
             <a:r>
-              <a:rPr lang="en-US" sz="1200" kern="1200" dirty="0" smtClean="0">
+              <a:rPr lang="en-US" sz="1200" kern="1200" dirty="0">
                 <a:solidFill>
                   <a:schemeClr val="tx1"/>
                 </a:solidFill>
@@ -7009,7 +6790,7 @@
               <a:t>SAP SE </a:t>
             </a:r>
             <a:r>
-              <a:rPr lang="de-DE" sz="1200" kern="1200" noProof="0" dirty="0" smtClean="0">
+              <a:rPr lang="de-DE" sz="1200" kern="1200" noProof="0" dirty="0">
                 <a:solidFill>
                   <a:schemeClr val="tx1"/>
                 </a:solidFill>
@@ -7021,7 +6802,7 @@
               <a:t>oder ihren Konzernunternehmen jederzeit und ohne Angabe von Gründen unangekündigt geändert werden. </a:t>
             </a:r>
             <a:br>
-              <a:rPr lang="de-DE" sz="1200" kern="1200" noProof="0" dirty="0" smtClean="0">
+              <a:rPr lang="de-DE" sz="1200" kern="1200" noProof="0" dirty="0">
                 <a:solidFill>
                   <a:schemeClr val="tx1"/>
                 </a:solidFill>
@@ -7032,7 +6813,7 @@
               </a:rPr>
             </a:br>
             <a:r>
-              <a:rPr lang="de-DE" sz="1200" kern="1200" noProof="0" dirty="0" smtClean="0">
+              <a:rPr lang="de-DE" sz="1200" kern="1200" noProof="0" dirty="0">
                 <a:solidFill>
                   <a:schemeClr val="tx1"/>
                 </a:solidFill>
@@ -7051,13 +6832,6 @@
   <p:clrMapOvr>
     <a:masterClrMapping/>
   </p:clrMapOvr>
-  <p:timing>
-    <p:tnLst>
-      <p:par>
-        <p:cTn id="1" dur="indefinite" restart="never" nodeType="tmRoot"/>
-      </p:par>
-    </p:tnLst>
-  </p:timing>
 </p:sldLayout>
 </file>
 
@@ -7088,13 +6862,6 @@
   <p:clrMapOvr>
     <a:masterClrMapping/>
   </p:clrMapOvr>
-  <p:timing>
-    <p:tnLst>
-      <p:par>
-        <p:cTn id="1" dur="indefinite" restart="never" nodeType="tmRoot"/>
-      </p:par>
-    </p:tnLst>
-  </p:timing>
 </p:sldLayout>
 </file>
 
@@ -7152,10 +6919,9 @@
           </a:lstStyle>
           <a:p>
             <a:r>
-              <a:rPr lang="en-US" dirty="0" smtClean="0"/>
+              <a:rPr lang="en-US" dirty="0"/>
               <a:t>Short Presentation Title</a:t>
             </a:r>
-            <a:endParaRPr lang="en-US" dirty="0"/>
           </a:p>
         </p:txBody>
       </p:sp>
@@ -7287,14 +7053,14 @@
           </a:lstStyle>
           <a:p>
             <a:r>
-              <a:rPr lang="en-US" dirty="0" smtClean="0"/>
+              <a:rPr lang="en-US" dirty="0"/>
               <a:t>Speaker’s Name/Department (delete if not needed)</a:t>
             </a:r>
             <a:br>
-              <a:rPr lang="en-US" dirty="0" smtClean="0"/>
+              <a:rPr lang="en-US" dirty="0"/>
             </a:br>
             <a:r>
-              <a:rPr lang="en-US" dirty="0" smtClean="0"/>
+              <a:rPr lang="en-US" dirty="0"/>
               <a:t>Month 00, 2015</a:t>
             </a:r>
           </a:p>
@@ -7378,7 +7144,7 @@
               <a:buSzPct val="80000"/>
               <a:tabLst/>
             </a:pPr>
-            <a:endParaRPr kumimoji="0" lang="en-US" sz="1900" b="0" i="0" u="none" strike="noStrike" kern="0" cap="none" spc="0" normalizeH="0" baseline="0" noProof="0" dirty="0" err="1" smtClean="0">
+            <a:endParaRPr kumimoji="0" lang="en-US" sz="1900" b="0" i="0" u="none" strike="noStrike" kern="0" cap="none" spc="0" normalizeH="0" baseline="0" noProof="0" dirty="0" err="1">
               <a:ln>
                 <a:noFill/>
               </a:ln>
@@ -7396,13 +7162,6 @@
   <p:clrMapOvr>
     <a:overrideClrMapping bg1="lt1" tx1="dk1" bg2="lt2" tx2="dk2" accent1="accent1" accent2="accent2" accent3="accent3" accent4="accent4" accent5="accent5" accent6="accent6" hlink="hlink" folHlink="folHlink"/>
   </p:clrMapOvr>
-  <p:timing>
-    <p:tnLst>
-      <p:par>
-        <p:cTn id="1" dur="indefinite" restart="never" nodeType="tmRoot"/>
-      </p:par>
-    </p:tnLst>
-  </p:timing>
 </p:sldLayout>
 </file>
 
@@ -7556,14 +7315,14 @@
           </a:lstStyle>
           <a:p>
             <a:r>
-              <a:rPr lang="en-US" dirty="0" smtClean="0"/>
+              <a:rPr lang="en-US" dirty="0"/>
               <a:t>Speaker’s Name/Department (delete if not needed)</a:t>
             </a:r>
             <a:br>
-              <a:rPr lang="en-US" dirty="0" smtClean="0"/>
+              <a:rPr lang="en-US" dirty="0"/>
             </a:br>
             <a:r>
-              <a:rPr lang="en-US" dirty="0" smtClean="0"/>
+              <a:rPr lang="en-US" dirty="0"/>
               <a:t>Month 00, 2015</a:t>
             </a:r>
           </a:p>
@@ -7601,14 +7360,14 @@
           </a:lstStyle>
           <a:p>
             <a:r>
-              <a:rPr lang="en-US" sz="3600" dirty="0" smtClean="0"/>
+              <a:rPr lang="en-US" sz="3600" dirty="0"/>
               <a:t>Alternate Presentation Title</a:t>
             </a:r>
             <a:br>
-              <a:rPr lang="en-US" sz="3600" dirty="0" smtClean="0"/>
+              <a:rPr lang="en-US" sz="3600" dirty="0"/>
             </a:br>
             <a:r>
-              <a:rPr lang="en-US" sz="3600" dirty="0" smtClean="0"/>
+              <a:rPr lang="en-US" sz="3600" dirty="0"/>
               <a:t>Breaks to Two Lines</a:t>
             </a:r>
             <a:endParaRPr lang="en-US" dirty="0"/>
@@ -7693,7 +7452,7 @@
               <a:buSzPct val="80000"/>
               <a:tabLst/>
             </a:pPr>
-            <a:endParaRPr kumimoji="0" lang="en-US" sz="1900" b="0" i="0" u="none" strike="noStrike" kern="0" cap="none" spc="0" normalizeH="0" baseline="0" noProof="0" dirty="0" err="1" smtClean="0">
+            <a:endParaRPr kumimoji="0" lang="en-US" sz="1900" b="0" i="0" u="none" strike="noStrike" kern="0" cap="none" spc="0" normalizeH="0" baseline="0" noProof="0" dirty="0" err="1">
               <a:ln>
                 <a:noFill/>
               </a:ln>
@@ -7780,7 +7539,7 @@
               <a:buSzPct val="80000"/>
               <a:tabLst/>
             </a:pPr>
-            <a:endParaRPr kumimoji="0" lang="en-US" sz="1900" b="0" i="0" u="none" strike="noStrike" kern="0" cap="none" spc="0" normalizeH="0" baseline="0" noProof="0" dirty="0" err="1" smtClean="0">
+            <a:endParaRPr kumimoji="0" lang="en-US" sz="1900" b="0" i="0" u="none" strike="noStrike" kern="0" cap="none" spc="0" normalizeH="0" baseline="0" noProof="0" dirty="0" err="1">
               <a:ln>
                 <a:noFill/>
               </a:ln>
@@ -7825,10 +7584,9 @@
           </a:lstStyle>
           <a:p>
             <a:r>
-              <a:rPr lang="en-US" dirty="0" smtClean="0"/>
+              <a:rPr lang="en-US" dirty="0"/>
               <a:t>Divider page</a:t>
             </a:r>
-            <a:endParaRPr lang="en-US" dirty="0"/>
           </a:p>
         </p:txBody>
       </p:sp>
@@ -7860,7 +7618,7 @@
           </a:lstStyle>
           <a:p>
             <a:r>
-              <a:rPr lang="en-US" dirty="0" smtClean="0"/>
+              <a:rPr lang="en-US" dirty="0"/>
               <a:t>Subtitle if needed</a:t>
             </a:r>
           </a:p>
@@ -7935,13 +7693,6 @@
   <p:clrMapOvr>
     <a:overrideClrMapping bg1="lt1" tx1="dk1" bg2="lt2" tx2="dk2" accent1="accent1" accent2="accent2" accent3="accent3" accent4="accent4" accent5="accent5" accent6="accent6" hlink="hlink" folHlink="folHlink"/>
   </p:clrMapOvr>
-  <p:timing>
-    <p:tnLst>
-      <p:par>
-        <p:cTn id="1" dur="indefinite" restart="never" nodeType="tmRoot"/>
-      </p:par>
-    </p:tnLst>
-  </p:timing>
   <p:hf sldNum="0" hdr="0" ftr="0" dt="0"/>
 </p:sldLayout>
 </file>
@@ -7998,7 +7749,7 @@
           </a:lstStyle>
           <a:p>
             <a:r>
-              <a:rPr lang="en-US" smtClean="0"/>
+              <a:rPr lang="en-US"/>
               <a:t>Click icon to add picture</a:t>
             </a:r>
             <a:endParaRPr lang="en-US" dirty="0"/>
@@ -8037,10 +7788,9 @@
           </a:lstStyle>
           <a:p>
             <a:r>
-              <a:rPr lang="en-US" dirty="0" smtClean="0"/>
+              <a:rPr lang="en-US" dirty="0"/>
               <a:t>Divider page</a:t>
             </a:r>
-            <a:endParaRPr lang="en-US" dirty="0"/>
           </a:p>
         </p:txBody>
       </p:sp>
@@ -8088,7 +7838,7 @@
               <a:buSzPct val="80000"/>
               <a:tabLst/>
             </a:pPr>
-            <a:endParaRPr kumimoji="0" lang="en-US" sz="1900" b="0" i="0" u="none" strike="noStrike" kern="0" cap="none" spc="0" normalizeH="0" baseline="0" noProof="0" dirty="0" err="1" smtClean="0">
+            <a:endParaRPr kumimoji="0" lang="en-US" sz="1900" b="0" i="0" u="none" strike="noStrike" kern="0" cap="none" spc="0" normalizeH="0" baseline="0" noProof="0" dirty="0" err="1">
               <a:ln>
                 <a:noFill/>
               </a:ln>
@@ -8129,7 +7879,7 @@
           </a:lstStyle>
           <a:p>
             <a:r>
-              <a:rPr lang="en-US" dirty="0" smtClean="0"/>
+              <a:rPr lang="en-US" dirty="0"/>
               <a:t>Subtitle if needed</a:t>
             </a:r>
           </a:p>
@@ -8174,13 +7924,6 @@
   <p:clrMapOvr>
     <a:overrideClrMapping bg1="lt1" tx1="dk1" bg2="lt2" tx2="dk2" accent1="accent1" accent2="accent2" accent3="accent3" accent4="accent4" accent5="accent5" accent6="accent6" hlink="hlink" folHlink="folHlink"/>
   </p:clrMapOvr>
-  <p:timing>
-    <p:tnLst>
-      <p:par>
-        <p:cTn id="1" dur="indefinite" restart="never" nodeType="tmRoot"/>
-      </p:par>
-    </p:tnLst>
-  </p:timing>
   <p:hf sldNum="0" hdr="0" ftr="0" dt="0"/>
 </p:sldLayout>
 </file>
@@ -8239,10 +7982,9 @@
           </a:lstStyle>
           <a:p>
             <a:r>
-              <a:rPr lang="en-US" dirty="0" smtClean="0"/>
+              <a:rPr lang="en-US" dirty="0"/>
               <a:t>Thank you</a:t>
             </a:r>
-            <a:endParaRPr lang="en-US" dirty="0"/>
           </a:p>
         </p:txBody>
       </p:sp>
@@ -8290,7 +8032,7 @@
               <a:buSzPct val="80000"/>
               <a:tabLst/>
             </a:pPr>
-            <a:endParaRPr kumimoji="0" lang="en-US" sz="1900" b="0" i="0" u="none" strike="noStrike" kern="0" cap="none" spc="0" normalizeH="0" baseline="0" noProof="0" dirty="0" err="1" smtClean="0">
+            <a:endParaRPr kumimoji="0" lang="en-US" sz="1900" b="0" i="0" u="none" strike="noStrike" kern="0" cap="none" spc="0" normalizeH="0" baseline="0" noProof="0" dirty="0" err="1">
               <a:ln>
                 <a:noFill/>
               </a:ln>
@@ -8335,34 +8077,34 @@
           </a:lstStyle>
           <a:p>
             <a:r>
-              <a:rPr lang="en-US" dirty="0" smtClean="0"/>
+              <a:rPr lang="en-US" dirty="0"/>
               <a:t>Contact information:</a:t>
             </a:r>
           </a:p>
           <a:p>
-            <a:endParaRPr lang="en-US" dirty="0" smtClean="0"/>
-          </a:p>
-          <a:p>
-            <a:r>
-              <a:rPr lang="en-US" dirty="0" smtClean="0"/>
+            <a:endParaRPr lang="en-US" dirty="0"/>
+          </a:p>
+          <a:p>
+            <a:r>
+              <a:rPr lang="en-US" dirty="0"/>
               <a:t>F name MI. L name</a:t>
             </a:r>
           </a:p>
           <a:p>
             <a:r>
-              <a:rPr lang="en-US" dirty="0" smtClean="0"/>
+              <a:rPr lang="en-US" dirty="0"/>
               <a:t>Title</a:t>
             </a:r>
           </a:p>
           <a:p>
             <a:r>
-              <a:rPr lang="en-US" dirty="0" smtClean="0"/>
+              <a:rPr lang="en-US" dirty="0"/>
               <a:t>Address</a:t>
             </a:r>
           </a:p>
           <a:p>
             <a:r>
-              <a:rPr lang="en-US" dirty="0" smtClean="0"/>
+              <a:rPr lang="en-US" dirty="0"/>
               <a:t>Phone number</a:t>
             </a:r>
           </a:p>
@@ -8433,7 +8175,7 @@
               <a:tabLst/>
             </a:pPr>
             <a:r>
-              <a:rPr lang="en-US" sz="900" noProof="0" dirty="0" smtClean="0">
+              <a:rPr lang="en-US" sz="900" noProof="0" dirty="0">
                 <a:solidFill>
                   <a:schemeClr val="tx1"/>
                 </a:solidFill>
@@ -8448,13 +8190,6 @@
   <p:clrMapOvr>
     <a:overrideClrMapping bg1="lt1" tx1="dk1" bg2="lt2" tx2="dk2" accent1="accent1" accent2="accent2" accent3="accent3" accent4="accent4" accent5="accent5" accent6="accent6" hlink="hlink" folHlink="folHlink"/>
   </p:clrMapOvr>
-  <p:timing>
-    <p:tnLst>
-      <p:par>
-        <p:cTn id="1" dur="indefinite" restart="never" nodeType="tmRoot"/>
-      </p:par>
-    </p:tnLst>
-  </p:timing>
   <p:hf sldNum="0" hdr="0" ftr="0" dt="0"/>
 </p:sldLayout>
 </file>
@@ -8515,7 +8250,7 @@
           </a:lstStyle>
           <a:p>
             <a:r>
-              <a:rPr lang="en-US" dirty="0" smtClean="0">
+              <a:rPr lang="en-US" dirty="0">
                 <a:solidFill>
                   <a:srgbClr val="666666"/>
                 </a:solidFill>
@@ -8524,7 +8259,7 @@
               <a:t>Presentation Title</a:t>
             </a:r>
             <a:br>
-              <a:rPr lang="en-US" dirty="0" smtClean="0">
+              <a:rPr lang="en-US" dirty="0">
                 <a:solidFill>
                   <a:srgbClr val="666666"/>
                 </a:solidFill>
@@ -8532,7 +8267,7 @@
               </a:rPr>
             </a:br>
             <a:r>
-              <a:rPr lang="en-US" cap="small" dirty="0" smtClean="0">
+              <a:rPr lang="en-US" cap="small" dirty="0">
                 <a:solidFill>
                   <a:srgbClr val="FFC000"/>
                 </a:solidFill>
@@ -8764,28 +8499,28 @@
           </a:lstStyle>
           <a:p>
             <a:r>
-              <a:rPr lang="en-US" dirty="0" smtClean="0"/>
+              <a:rPr lang="en-US" dirty="0"/>
               <a:t>Agenda Item/Divider Headline</a:t>
             </a:r>
           </a:p>
           <a:p>
             <a:pPr lvl="1"/>
             <a:r>
-              <a:rPr lang="en-US" dirty="0" smtClean="0"/>
+              <a:rPr lang="en-US" dirty="0"/>
               <a:t>Details</a:t>
             </a:r>
           </a:p>
           <a:p>
             <a:pPr lvl="2"/>
             <a:r>
-              <a:rPr lang="en-US" dirty="0" smtClean="0"/>
+              <a:rPr lang="en-US" dirty="0"/>
               <a:t>Third level</a:t>
             </a:r>
           </a:p>
           <a:p>
             <a:pPr lvl="3"/>
             <a:r>
-              <a:rPr lang="en-US" dirty="0" smtClean="0"/>
+              <a:rPr lang="en-US" dirty="0"/>
               <a:t>Fourth level</a:t>
             </a:r>
           </a:p>
@@ -8796,13 +8531,6 @@
   <p:clrMapOvr>
     <a:masterClrMapping/>
   </p:clrMapOvr>
-  <p:timing>
-    <p:tnLst>
-      <p:par>
-        <p:cTn id="1" dur="indefinite" restart="never" nodeType="tmRoot"/>
-      </p:par>
-    </p:tnLst>
-  </p:timing>
 </p:sldLayout>
 </file>
 
@@ -8843,14 +8571,14 @@
           </a:lstStyle>
           <a:p>
             <a:r>
-              <a:rPr lang="en-US" noProof="0" dirty="0" smtClean="0"/>
+              <a:rPr lang="en-US" noProof="0" dirty="0"/>
               <a:t>Presentation Title</a:t>
             </a:r>
             <a:br>
-              <a:rPr lang="en-US" noProof="0" dirty="0" smtClean="0"/>
+              <a:rPr lang="en-US" noProof="0" dirty="0"/>
             </a:br>
             <a:r>
-              <a:rPr lang="en-US" cap="small" dirty="0" smtClean="0">
+              <a:rPr lang="en-US" cap="small" dirty="0">
                 <a:solidFill>
                   <a:srgbClr val="FFC000"/>
                 </a:solidFill>
@@ -8867,13 +8595,6 @@
   <p:clrMapOvr>
     <a:masterClrMapping/>
   </p:clrMapOvr>
-  <p:timing>
-    <p:tnLst>
-      <p:par>
-        <p:cTn id="1" dur="indefinite" restart="never" nodeType="tmRoot"/>
-      </p:par>
-    </p:tnLst>
-  </p:timing>
 </p:sldLayout>
 </file>
 
@@ -8925,7 +8646,7 @@
           <a:lstStyle/>
           <a:p>
             <a:r>
-              <a:rPr lang="en-US" dirty="0" smtClean="0">
+              <a:rPr lang="en-US" dirty="0">
                 <a:solidFill>
                   <a:srgbClr val="666666"/>
                 </a:solidFill>
@@ -8934,7 +8655,7 @@
               <a:t>Presentation Title</a:t>
             </a:r>
             <a:br>
-              <a:rPr lang="en-US" dirty="0" smtClean="0">
+              <a:rPr lang="en-US" dirty="0">
                 <a:solidFill>
                   <a:srgbClr val="666666"/>
                 </a:solidFill>
@@ -8942,7 +8663,7 @@
               </a:rPr>
             </a:br>
             <a:r>
-              <a:rPr lang="en-US" cap="small" dirty="0" smtClean="0">
+              <a:rPr lang="en-US" cap="small" dirty="0">
                 <a:solidFill>
                   <a:srgbClr val="FFC000"/>
                 </a:solidFill>
@@ -8999,7 +8720,7 @@
               <a:defRPr/>
             </a:pPr>
             <a:r>
-              <a:rPr kumimoji="0" lang="en-US" sz="2000" b="0" i="0" u="none" strike="noStrike" kern="1200" cap="none" spc="0" normalizeH="0" baseline="0" noProof="0" dirty="0" smtClean="0">
+              <a:rPr kumimoji="0" lang="en-US" sz="2000" b="0" i="0" u="none" strike="noStrike" kern="1200" cap="none" spc="0" normalizeH="0" baseline="0" noProof="0" dirty="0">
                 <a:ln>
                   <a:noFill/>
                 </a:ln>
@@ -9037,7 +8758,7 @@
               <a:defRPr/>
             </a:pPr>
             <a:r>
-              <a:rPr kumimoji="0" lang="en-US" sz="1800" b="0" i="0" u="none" strike="noStrike" kern="1200" cap="none" spc="0" normalizeH="0" baseline="0" noProof="0" dirty="0" smtClean="0">
+              <a:rPr kumimoji="0" lang="en-US" sz="1800" b="0" i="0" u="none" strike="noStrike" kern="1200" cap="none" spc="0" normalizeH="0" baseline="0" noProof="0" dirty="0">
                 <a:ln>
                   <a:noFill/>
                 </a:ln>
@@ -9075,7 +8796,7 @@
               <a:defRPr/>
             </a:pPr>
             <a:r>
-              <a:rPr kumimoji="0" lang="en-US" sz="1600" b="0" i="0" u="none" strike="noStrike" kern="1200" cap="none" spc="0" normalizeH="0" baseline="0" noProof="0" dirty="0" smtClean="0">
+              <a:rPr kumimoji="0" lang="en-US" sz="1600" b="0" i="0" u="none" strike="noStrike" kern="1200" cap="none" spc="0" normalizeH="0" baseline="0" noProof="0" dirty="0">
                 <a:ln>
                   <a:noFill/>
                 </a:ln>
@@ -9115,7 +8836,7 @@
               <a:defRPr/>
             </a:pPr>
             <a:r>
-              <a:rPr kumimoji="0" lang="en-US" sz="1400" b="0" i="0" u="none" strike="noStrike" kern="1200" cap="none" spc="0" normalizeH="0" baseline="0" noProof="0" dirty="0" smtClean="0">
+              <a:rPr kumimoji="0" lang="en-US" sz="1400" b="0" i="0" u="none" strike="noStrike" kern="1200" cap="none" spc="0" normalizeH="0" baseline="0" noProof="0" dirty="0">
                 <a:ln>
                   <a:noFill/>
                 </a:ln>
@@ -9155,7 +8876,7 @@
               <a:defRPr/>
             </a:pPr>
             <a:r>
-              <a:rPr kumimoji="0" lang="en-US" sz="1200" b="0" i="0" u="none" strike="noStrike" kern="1200" cap="none" spc="0" normalizeH="0" baseline="0" noProof="0" dirty="0" smtClean="0">
+              <a:rPr kumimoji="0" lang="en-US" sz="1200" b="0" i="0" u="none" strike="noStrike" kern="1200" cap="none" spc="0" normalizeH="0" baseline="0" noProof="0" dirty="0">
                 <a:ln>
                   <a:noFill/>
                 </a:ln>
@@ -9171,20 +8892,6 @@
               </a:rPr>
               <a:t>Fifth level</a:t>
             </a:r>
-            <a:endParaRPr kumimoji="0" lang="en-US" sz="1200" b="0" i="0" u="none" strike="noStrike" kern="1200" cap="none" spc="0" normalizeH="0" baseline="0" noProof="0" dirty="0">
-              <a:ln>
-                <a:noFill/>
-              </a:ln>
-              <a:solidFill>
-                <a:srgbClr val="CCCCCC">
-                  <a:lumMod val="50000"/>
-                </a:srgbClr>
-              </a:solidFill>
-              <a:effectLst/>
-              <a:uLnTx/>
-              <a:uFillTx/>
-              <a:latin typeface="+mn-lt"/>
-            </a:endParaRPr>
           </a:p>
         </p:txBody>
       </p:sp>
@@ -9232,7 +8939,7 @@
               <a:buSzPct val="80000"/>
               <a:tabLst/>
             </a:pPr>
-            <a:endParaRPr kumimoji="0" lang="en-US" sz="1900" b="0" i="0" u="none" strike="noStrike" kern="0" cap="none" spc="0" normalizeH="0" baseline="0" noProof="0" dirty="0" err="1" smtClean="0">
+            <a:endParaRPr kumimoji="0" lang="en-US" sz="1900" b="0" i="0" u="none" strike="noStrike" kern="0" cap="none" spc="0" normalizeH="0" baseline="0" noProof="0" dirty="0" err="1">
               <a:ln>
                 <a:noFill/>
               </a:ln>
@@ -9324,7 +9031,7 @@
               <a:buSzPct val="80000"/>
               <a:tabLst/>
             </a:pPr>
-            <a:endParaRPr kumimoji="0" lang="en-US" sz="1900" b="0" i="0" u="none" strike="noStrike" kern="0" cap="none" spc="0" normalizeH="0" baseline="0" noProof="0" dirty="0" err="1" smtClean="0">
+            <a:endParaRPr kumimoji="0" lang="en-US" sz="1900" b="0" i="0" u="none" strike="noStrike" kern="0" cap="none" spc="0" normalizeH="0" baseline="0" noProof="0" dirty="0" err="1">
               <a:ln>
                 <a:noFill/>
               </a:ln>
@@ -9368,7 +9075,7 @@
               <a:tabLst/>
             </a:pPr>
             <a:r>
-              <a:rPr lang="en-US" sz="900" noProof="0" dirty="0" smtClean="0">
+              <a:rPr lang="en-US" sz="900" noProof="0" dirty="0">
                 <a:solidFill>
                   <a:schemeClr val="bg1"/>
                 </a:solidFill>
@@ -9422,7 +9129,7 @@
               </a:pPr>
               <a:t>‹#›</a:t>
             </a:fld>
-            <a:endParaRPr lang="en-US" sz="900" noProof="0" dirty="0" smtClean="0">
+            <a:endParaRPr lang="en-US" sz="900" noProof="0" dirty="0">
               <a:solidFill>
                 <a:schemeClr val="bg1"/>
               </a:solidFill>
@@ -9465,7 +9172,7 @@
               <a:buSzPct val="80000"/>
             </a:pPr>
             <a:r>
-              <a:rPr kumimoji="0" lang="en-US" sz="900" b="0" i="0" u="none" kern="0" baseline="0" dirty="0" smtClean="0">
+              <a:rPr kumimoji="0" lang="en-US" sz="900" b="0" i="0" u="none" kern="0" baseline="0" dirty="0">
                 <a:solidFill>
                   <a:srgbClr val="FFFFFF"/>
                 </a:solidFill>
@@ -9506,13 +9213,6 @@
     <p:sldLayoutId id="2147483705" r:id="rId21"/>
     <p:sldLayoutId id="2147483729" r:id="rId22"/>
   </p:sldLayoutIdLst>
-  <p:timing>
-    <p:tnLst>
-      <p:par>
-        <p:cTn id="1" dur="indefinite" restart="never" nodeType="tmRoot"/>
-      </p:par>
-    </p:tnLst>
-  </p:timing>
   <p:hf hdr="0" ftr="0" dt="0"/>
   <p:txStyles>
     <p:titleStyle>
@@ -9962,7 +9662,7 @@
           <a:lstStyle/>
           <a:p>
             <a:r>
-              <a:rPr lang="en-US" sz="4400" dirty="0" smtClean="0">
+              <a:rPr lang="en-US" sz="4400" dirty="0">
                 <a:solidFill>
                   <a:srgbClr val="666666"/>
                 </a:solidFill>
@@ -9970,12 +9670,6 @@
               </a:rPr>
               <a:t>SAPUI5: Data Binding</a:t>
             </a:r>
-            <a:endParaRPr lang="en-US" sz="4400" dirty="0">
-              <a:solidFill>
-                <a:srgbClr val="666666"/>
-              </a:solidFill>
-              <a:latin typeface="BentonSans Bold" panose="02000803000000020004" pitchFamily="2" charset="0"/>
-            </a:endParaRPr>
           </a:p>
         </p:txBody>
       </p:sp>
@@ -10000,7 +9694,7 @@
           <a:lstStyle/>
           <a:p>
             <a:r>
-              <a:rPr lang="en-US" sz="1200" b="1" dirty="0" smtClean="0">
+              <a:rPr lang="en-US" sz="1200" b="1" dirty="0">
                 <a:solidFill>
                   <a:schemeClr val="bg1"/>
                 </a:solidFill>
@@ -10009,13 +9703,24 @@
               <a:t>Version  	</a:t>
             </a:r>
             <a:r>
-              <a:rPr lang="en-US" sz="1200" dirty="0" smtClean="0">
+              <a:rPr lang="en-US" sz="1200" dirty="0">
                 <a:solidFill>
                   <a:schemeClr val="bg1"/>
                 </a:solidFill>
                 <a:latin typeface="BentonSans Book" panose="02000503000000020004" pitchFamily="2" charset="0"/>
               </a:rPr>
-              <a:t>1.0</a:t>
+              <a:t>1.0, July 2015</a:t>
+            </a:r>
+          </a:p>
+          <a:p>
+            <a:r>
+              <a:rPr lang="en-US" sz="1200" b="1" dirty="0">
+                <a:solidFill>
+                  <a:schemeClr val="bg1"/>
+                </a:solidFill>
+                <a:latin typeface="BentonSans Book" panose="02000503000000020004" pitchFamily="2" charset="0"/>
+              </a:rPr>
+              <a:t>Author</a:t>
             </a:r>
             <a:r>
               <a:rPr lang="en-US" sz="1200" dirty="0">
@@ -10024,17 +9729,10 @@
                 </a:solidFill>
                 <a:latin typeface="BentonSans Book" panose="02000503000000020004" pitchFamily="2" charset="0"/>
               </a:rPr>
-              <a:t>, </a:t>
-            </a:r>
-            <a:r>
-              <a:rPr lang="en-US" sz="1200" dirty="0" smtClean="0">
-                <a:solidFill>
-                  <a:schemeClr val="bg1"/>
-                </a:solidFill>
-                <a:latin typeface="BentonSans Book" panose="02000503000000020004" pitchFamily="2" charset="0"/>
-              </a:rPr>
-              <a:t>July 2015</a:t>
-            </a:r>
+              <a:t> 	Ross Hightower</a:t>
+            </a:r>
+          </a:p>
+          <a:p>
             <a:endParaRPr lang="en-US" sz="1200" dirty="0">
               <a:solidFill>
                 <a:schemeClr val="bg1"/>
@@ -10044,44 +9742,16 @@
           </a:p>
           <a:p>
             <a:r>
-              <a:rPr lang="en-US" sz="1200" b="1" dirty="0" smtClean="0">
+              <a:rPr lang="en-US" sz="1200" b="1" dirty="0">
                 <a:solidFill>
                   <a:schemeClr val="bg1"/>
                 </a:solidFill>
                 <a:latin typeface="BentonSans Book" panose="02000503000000020004" pitchFamily="2" charset="0"/>
               </a:rPr>
-              <a:t>Author</a:t>
-            </a:r>
-            <a:r>
-              <a:rPr lang="en-US" sz="1200" dirty="0" smtClean="0">
-                <a:solidFill>
-                  <a:schemeClr val="bg1"/>
-                </a:solidFill>
-                <a:latin typeface="BentonSans Book" panose="02000503000000020004" pitchFamily="2" charset="0"/>
-              </a:rPr>
-              <a:t> 	Ross Hightower</a:t>
-            </a:r>
-          </a:p>
-          <a:p>
-            <a:endParaRPr lang="en-US" sz="1200" dirty="0" smtClean="0">
-              <a:solidFill>
-                <a:schemeClr val="bg1"/>
-              </a:solidFill>
-              <a:latin typeface="BentonSans Book" panose="02000503000000020004" pitchFamily="2" charset="0"/>
-            </a:endParaRPr>
-          </a:p>
-          <a:p>
-            <a:r>
-              <a:rPr lang="en-US" sz="1200" b="1" dirty="0" smtClean="0">
-                <a:solidFill>
-                  <a:schemeClr val="bg1"/>
-                </a:solidFill>
-                <a:latin typeface="BentonSans Book" panose="02000503000000020004" pitchFamily="2" charset="0"/>
-              </a:rPr>
               <a:t>Product</a:t>
             </a:r>
             <a:r>
-              <a:rPr lang="en-US" sz="1200" dirty="0" smtClean="0">
+              <a:rPr lang="en-US" sz="1200" dirty="0">
                 <a:solidFill>
                   <a:schemeClr val="bg1"/>
                 </a:solidFill>
@@ -10100,7 +9770,7 @@
           </a:p>
           <a:p>
             <a:r>
-              <a:rPr lang="en-US" sz="1200" b="1" dirty="0" smtClean="0">
+              <a:rPr lang="en-US" sz="1200" b="1" dirty="0">
                 <a:solidFill>
                   <a:schemeClr val="bg1"/>
                 </a:solidFill>
@@ -10109,7 +9779,7 @@
               <a:t>Level</a:t>
             </a:r>
             <a:r>
-              <a:rPr lang="en-US" sz="1200" dirty="0" smtClean="0">
+              <a:rPr lang="en-US" sz="1200" dirty="0">
                 <a:solidFill>
                   <a:schemeClr val="bg1"/>
                 </a:solidFill>
@@ -10127,7 +9797,7 @@
             </a:endParaRPr>
           </a:p>
           <a:p>
-            <a:endParaRPr lang="en-US" sz="1200" dirty="0" smtClean="0">
+            <a:endParaRPr lang="en-US" sz="1200" dirty="0">
               <a:solidFill>
                 <a:schemeClr val="bg1"/>
               </a:solidFill>
@@ -10142,9 +9812,9 @@
                 </a:solidFill>
                 <a:latin typeface="BentonSans Book" panose="02000503000000020004" pitchFamily="2" charset="0"/>
               </a:rPr>
-              <a:t>September 17, 2015</a:t>
+              <a:t>July 13, 2017</a:t>
             </a:fld>
-            <a:endParaRPr lang="en-US" sz="1200" dirty="0" smtClean="0">
+            <a:endParaRPr lang="en-US" sz="1200" dirty="0">
               <a:solidFill>
                 <a:schemeClr val="bg1"/>
               </a:solidFill>
@@ -10271,7 +9941,7 @@
           <a:lstStyle/>
           <a:p>
             <a:r>
-              <a:rPr lang="de-DE" sz="1200" dirty="0" smtClean="0">
+              <a:rPr lang="de-DE" sz="1200" dirty="0">
                 <a:solidFill>
                   <a:schemeClr val="bg1"/>
                 </a:solidFill>
@@ -10298,13 +9968,6 @@
   <p:clrMapOvr>
     <a:masterClrMapping/>
   </p:clrMapOvr>
-  <p:timing>
-    <p:tnLst>
-      <p:par>
-        <p:cTn id="1" dur="indefinite" restart="never" nodeType="tmRoot"/>
-      </p:par>
-    </p:tnLst>
-  </p:timing>
 </p:sld>
 </file>
 
@@ -10341,10 +10004,9 @@
           <a:lstStyle/>
           <a:p>
             <a:r>
-              <a:rPr lang="en-US" dirty="0" smtClean="0"/>
+              <a:rPr lang="en-US" dirty="0"/>
               <a:t>Aggregation Binding</a:t>
             </a:r>
-            <a:endParaRPr lang="en-US" dirty="0"/>
           </a:p>
         </p:txBody>
       </p:sp>
@@ -10420,15 +10082,15 @@
                 <a:ea typeface="Calibri" panose="020F0502020204030204" pitchFamily="34" charset="0"/>
                 <a:cs typeface="Times New Roman" panose="02020603050405020304" pitchFamily="18" charset="0"/>
               </a:rPr>
-              <a:t>" height="50%" tiles</a:t>
-            </a:r>
-            <a:r>
-              <a:rPr lang="en-US" sz="1800" dirty="0" smtClean="0">
+              <a:t>" height="50%" tiles="{hello&gt;/</a:t>
+            </a:r>
+            <a:r>
+              <a:rPr lang="en-US" sz="1800" dirty="0" err="1">
                 <a:latin typeface="Calibri" panose="020F0502020204030204" pitchFamily="34" charset="0"/>
                 <a:ea typeface="Calibri" panose="020F0502020204030204" pitchFamily="34" charset="0"/>
                 <a:cs typeface="Times New Roman" panose="02020603050405020304" pitchFamily="18" charset="0"/>
               </a:rPr>
-              <a:t>="{hello</a:t>
+              <a:t>HelloCollection</a:t>
             </a:r>
             <a:r>
               <a:rPr lang="en-US" sz="1800" dirty="0">
@@ -10436,29 +10098,8 @@
                 <a:ea typeface="Calibri" panose="020F0502020204030204" pitchFamily="34" charset="0"/>
                 <a:cs typeface="Times New Roman" panose="02020603050405020304" pitchFamily="18" charset="0"/>
               </a:rPr>
-              <a:t>&gt;/</a:t>
-            </a:r>
-            <a:r>
-              <a:rPr lang="en-US" sz="1800" dirty="0" err="1" smtClean="0">
-                <a:latin typeface="Calibri" panose="020F0502020204030204" pitchFamily="34" charset="0"/>
-                <a:ea typeface="Calibri" panose="020F0502020204030204" pitchFamily="34" charset="0"/>
-                <a:cs typeface="Times New Roman" panose="02020603050405020304" pitchFamily="18" charset="0"/>
-              </a:rPr>
-              <a:t>HelloCollection</a:t>
-            </a:r>
-            <a:r>
-              <a:rPr lang="en-US" sz="1800" dirty="0" smtClean="0">
-                <a:latin typeface="Calibri" panose="020F0502020204030204" pitchFamily="34" charset="0"/>
-                <a:ea typeface="Calibri" panose="020F0502020204030204" pitchFamily="34" charset="0"/>
-                <a:cs typeface="Times New Roman" panose="02020603050405020304" pitchFamily="18" charset="0"/>
-              </a:rPr>
               <a:t>}"&gt;</a:t>
             </a:r>
-            <a:endParaRPr lang="en-US" sz="1800" dirty="0">
-              <a:latin typeface="Calibri" panose="020F0502020204030204" pitchFamily="34" charset="0"/>
-              <a:ea typeface="Calibri" panose="020F0502020204030204" pitchFamily="34" charset="0"/>
-              <a:cs typeface="Times New Roman" panose="02020603050405020304" pitchFamily="18" charset="0"/>
-            </a:endParaRPr>
           </a:p>
           <a:p>
             <a:pPr>
@@ -10639,55 +10280,48 @@
               <a:buSzPct val="80000"/>
             </a:pPr>
             <a:r>
-              <a:rPr lang="en-US" sz="1800" kern="0" dirty="0" smtClean="0">
-                <a:ea typeface="Arial Unicode MS" pitchFamily="34" charset="-128"/>
-                <a:cs typeface="Arial Unicode MS" pitchFamily="34" charset="-128"/>
-              </a:rPr>
-              <a:t>Aggregation binding to array in data source. SAPUI5 </a:t>
-            </a:r>
-          </a:p>
-          <a:p>
-            <a:pPr fontAlgn="base">
-              <a:spcBef>
-                <a:spcPts val="600"/>
-              </a:spcBef>
-              <a:spcAft>
-                <a:spcPct val="0"/>
-              </a:spcAft>
-              <a:buClr>
-                <a:srgbClr val="F0AB00"/>
-              </a:buClr>
-              <a:buSzPct val="80000"/>
-            </a:pPr>
-            <a:r>
               <a:rPr lang="en-US" sz="1800" kern="0" dirty="0">
                 <a:ea typeface="Arial Unicode MS" pitchFamily="34" charset="-128"/>
                 <a:cs typeface="Arial Unicode MS" pitchFamily="34" charset="-128"/>
               </a:rPr>
-              <a:t>w</a:t>
-            </a:r>
-            <a:r>
-              <a:rPr lang="en-US" sz="1800" kern="0" dirty="0" smtClean="0">
+              <a:t>Aggregation binding to array in data source. SAPUI5 </a:t>
+            </a:r>
+          </a:p>
+          <a:p>
+            <a:pPr fontAlgn="base">
+              <a:spcBef>
+                <a:spcPts val="600"/>
+              </a:spcBef>
+              <a:spcAft>
+                <a:spcPct val="0"/>
+              </a:spcAft>
+              <a:buClr>
+                <a:srgbClr val="F0AB00"/>
+              </a:buClr>
+              <a:buSzPct val="80000"/>
+            </a:pPr>
+            <a:r>
+              <a:rPr lang="en-US" sz="1800" kern="0" dirty="0">
                 <a:ea typeface="Arial Unicode MS" pitchFamily="34" charset="-128"/>
                 <a:cs typeface="Arial Unicode MS" pitchFamily="34" charset="-128"/>
               </a:rPr>
-              <a:t>ill create a tile for each item in the array using the</a:t>
+              <a:t>will create a tile for each item in the array using the</a:t>
             </a:r>
             <a:br>
-              <a:rPr lang="en-US" sz="1800" kern="0" dirty="0" smtClean="0">
+              <a:rPr lang="en-US" sz="1800" kern="0" dirty="0">
                 <a:ea typeface="Arial Unicode MS" pitchFamily="34" charset="-128"/>
                 <a:cs typeface="Arial Unicode MS" pitchFamily="34" charset="-128"/>
               </a:rPr>
             </a:br>
             <a:r>
-              <a:rPr lang="en-US" sz="1800" kern="0" dirty="0" err="1" smtClean="0">
+              <a:rPr lang="en-US" sz="1800" kern="0" dirty="0" err="1">
                 <a:ea typeface="Arial Unicode MS" pitchFamily="34" charset="-128"/>
                 <a:cs typeface="Arial Unicode MS" pitchFamily="34" charset="-128"/>
               </a:rPr>
               <a:t>StandardTile</a:t>
             </a:r>
             <a:r>
-              <a:rPr lang="en-US" sz="1800" kern="0" dirty="0" smtClean="0">
+              <a:rPr lang="en-US" sz="1800" kern="0" dirty="0">
                 <a:ea typeface="Arial Unicode MS" pitchFamily="34" charset="-128"/>
                 <a:cs typeface="Arial Unicode MS" pitchFamily="34" charset="-128"/>
               </a:rPr>
@@ -10767,7 +10401,7 @@
               <a:buSzPct val="80000"/>
             </a:pPr>
             <a:r>
-              <a:rPr lang="en-US" sz="1800" kern="0" dirty="0" smtClean="0">
+              <a:rPr lang="en-US" sz="1800" kern="0" dirty="0">
                 <a:ea typeface="Arial Unicode MS" pitchFamily="34" charset="-128"/>
                 <a:cs typeface="Arial Unicode MS" pitchFamily="34" charset="-128"/>
               </a:rPr>
@@ -10847,33 +10481,33 @@
               <a:buSzPct val="80000"/>
             </a:pPr>
             <a:r>
-              <a:rPr lang="en-US" sz="1800" kern="0" dirty="0" smtClean="0">
+              <a:rPr lang="en-US" sz="1800" kern="0" dirty="0">
                 <a:ea typeface="Arial Unicode MS" pitchFamily="34" charset="-128"/>
                 <a:cs typeface="Arial Unicode MS" pitchFamily="34" charset="-128"/>
               </a:rPr>
               <a:t>Property bindings to individual elements.  Note the lack of a leading /.  This means the</a:t>
             </a:r>
             <a:br>
-              <a:rPr lang="en-US" sz="1800" kern="0" dirty="0" smtClean="0">
+              <a:rPr lang="en-US" sz="1800" kern="0" dirty="0">
                 <a:ea typeface="Arial Unicode MS" pitchFamily="34" charset="-128"/>
                 <a:cs typeface="Arial Unicode MS" pitchFamily="34" charset="-128"/>
               </a:rPr>
             </a:br>
             <a:r>
-              <a:rPr lang="en-US" sz="1800" kern="0" dirty="0" smtClean="0">
+              <a:rPr lang="en-US" sz="1800" kern="0" dirty="0">
                 <a:ea typeface="Arial Unicode MS" pitchFamily="34" charset="-128"/>
                 <a:cs typeface="Arial Unicode MS" pitchFamily="34" charset="-128"/>
               </a:rPr>
               <a:t>binding is relative binding and, in this case, it is relative to the specific item in the </a:t>
             </a:r>
             <a:br>
-              <a:rPr lang="en-US" sz="1800" kern="0" dirty="0" smtClean="0">
+              <a:rPr lang="en-US" sz="1800" kern="0" dirty="0">
                 <a:ea typeface="Arial Unicode MS" pitchFamily="34" charset="-128"/>
                 <a:cs typeface="Arial Unicode MS" pitchFamily="34" charset="-128"/>
               </a:rPr>
             </a:br>
             <a:r>
-              <a:rPr lang="en-US" sz="1800" kern="0" dirty="0" smtClean="0">
+              <a:rPr lang="en-US" sz="1800" kern="0" dirty="0">
                 <a:ea typeface="Arial Unicode MS" pitchFamily="34" charset="-128"/>
                 <a:cs typeface="Arial Unicode MS" pitchFamily="34" charset="-128"/>
               </a:rPr>
@@ -10928,13 +10562,6 @@
   <p:clrMapOvr>
     <a:masterClrMapping/>
   </p:clrMapOvr>
-  <p:timing>
-    <p:tnLst>
-      <p:par>
-        <p:cTn id="1" dur="indefinite" restart="never" nodeType="tmRoot"/>
-      </p:par>
-    </p:tnLst>
-  </p:timing>
 </p:sld>
 </file>
 
@@ -10971,10 +10598,9 @@
           <a:lstStyle/>
           <a:p>
             <a:r>
-              <a:rPr lang="en-US" dirty="0" smtClean="0"/>
+              <a:rPr lang="en-US" dirty="0"/>
               <a:t>Formatter Functions</a:t>
             </a:r>
-            <a:endParaRPr lang="en-US" dirty="0"/>
           </a:p>
         </p:txBody>
       </p:sp>
@@ -11000,60 +10626,24 @@
               </a:rPr>
               <a:t>If you want to modify the data from model before it is displayed you can use a formatter function.  </a:t>
             </a:r>
-            <a:endParaRPr lang="en-US" sz="2800" kern="0" dirty="0" smtClean="0">
-              <a:ea typeface="Arial Unicode MS" pitchFamily="34" charset="-128"/>
-              <a:cs typeface="Arial Unicode MS" pitchFamily="34" charset="-128"/>
-            </a:endParaRPr>
-          </a:p>
-          <a:p>
-            <a:r>
-              <a:rPr lang="en-US" sz="2800" kern="0" dirty="0" smtClean="0">
-                <a:ea typeface="Arial Unicode MS" pitchFamily="34" charset="-128"/>
-                <a:cs typeface="Arial Unicode MS" pitchFamily="34" charset="-128"/>
-              </a:rPr>
-              <a:t>For example, if </a:t>
-            </a:r>
+          </a:p>
+          <a:p>
             <a:r>
               <a:rPr lang="en-US" sz="2800" kern="0" dirty="0">
                 <a:ea typeface="Arial Unicode MS" pitchFamily="34" charset="-128"/>
                 <a:cs typeface="Arial Unicode MS" pitchFamily="34" charset="-128"/>
               </a:rPr>
-              <a:t>you want to convert a temperature from Kelvin to Celsius or you if the data element is a image filename </a:t>
-            </a:r>
-            <a:r>
-              <a:rPr lang="en-US" sz="2800" kern="0" dirty="0" smtClean="0">
-                <a:ea typeface="Arial Unicode MS" pitchFamily="34" charset="-128"/>
-                <a:cs typeface="Arial Unicode MS" pitchFamily="34" charset="-128"/>
-              </a:rPr>
-              <a:t>and you </a:t>
-            </a:r>
+              <a:t>For example, if you want to convert a temperature from Kelvin to Celsius or you if the data element is a image filename and you want to construct a URL.</a:t>
+            </a:r>
+          </a:p>
+          <a:p>
             <a:r>
               <a:rPr lang="en-US" sz="2800" kern="0" dirty="0">
                 <a:ea typeface="Arial Unicode MS" pitchFamily="34" charset="-128"/>
                 <a:cs typeface="Arial Unicode MS" pitchFamily="34" charset="-128"/>
               </a:rPr>
-              <a:t>want to construct a URL</a:t>
-            </a:r>
-            <a:r>
-              <a:rPr lang="en-US" sz="2800" kern="0" dirty="0" smtClean="0">
-                <a:ea typeface="Arial Unicode MS" pitchFamily="34" charset="-128"/>
-                <a:cs typeface="Arial Unicode MS" pitchFamily="34" charset="-128"/>
-              </a:rPr>
-              <a:t>.</a:t>
-            </a:r>
-          </a:p>
-          <a:p>
-            <a:r>
-              <a:rPr lang="en-US" sz="2800" kern="0" dirty="0" smtClean="0">
-                <a:ea typeface="Arial Unicode MS" pitchFamily="34" charset="-128"/>
-                <a:cs typeface="Arial Unicode MS" pitchFamily="34" charset="-128"/>
-              </a:rPr>
               <a:t>If a formatter function is specified, the data value is passed to the function and the return value is displayed in the control</a:t>
             </a:r>
-            <a:endParaRPr lang="en-US" sz="2800" kern="0" dirty="0">
-              <a:ea typeface="Arial Unicode MS" pitchFamily="34" charset="-128"/>
-              <a:cs typeface="Arial Unicode MS" pitchFamily="34" charset="-128"/>
-            </a:endParaRPr>
           </a:p>
           <a:p>
             <a:endParaRPr lang="en-US" dirty="0"/>
@@ -11070,13 +10660,6 @@
   <p:clrMapOvr>
     <a:masterClrMapping/>
   </p:clrMapOvr>
-  <p:timing>
-    <p:tnLst>
-      <p:par>
-        <p:cTn id="1" dur="indefinite" restart="never" nodeType="tmRoot"/>
-      </p:par>
-    </p:tnLst>
-  </p:timing>
 </p:sld>
 </file>
 
@@ -11161,33 +10744,23 @@
           </a:p>
           <a:p>
             <a:r>
-              <a:rPr lang="en-US" dirty="0" smtClean="0">
+              <a:rPr lang="en-US" dirty="0">
                 <a:solidFill>
                   <a:srgbClr val="666666"/>
                 </a:solidFill>
               </a:rPr>
               <a:t>Ross Hightower</a:t>
             </a:r>
-            <a:endParaRPr lang="en-US" dirty="0">
-              <a:solidFill>
-                <a:srgbClr val="666666"/>
-              </a:solidFill>
-            </a:endParaRPr>
-          </a:p>
-          <a:p>
-            <a:r>
-              <a:rPr lang="en-US" dirty="0" smtClean="0">
+          </a:p>
+          <a:p>
+            <a:r>
+              <a:rPr lang="en-US" dirty="0">
                 <a:solidFill>
                   <a:srgbClr val="666666"/>
                 </a:solidFill>
               </a:rPr>
               <a:t>hightowe@uwm.edu</a:t>
             </a:r>
-            <a:endParaRPr lang="en-US" dirty="0">
-              <a:solidFill>
-                <a:srgbClr val="666666"/>
-              </a:solidFill>
-            </a:endParaRPr>
           </a:p>
         </p:txBody>
       </p:sp>
@@ -11201,13 +10774,6 @@
   <p:clrMapOvr>
     <a:masterClrMapping/>
   </p:clrMapOvr>
-  <p:timing>
-    <p:tnLst>
-      <p:par>
-        <p:cTn id="1" dur="indefinite" restart="never" nodeType="tmRoot"/>
-      </p:par>
-    </p:tnLst>
-  </p:timing>
 </p:sld>
 </file>
 
@@ -11234,13 +10800,6 @@
     <a:masterClrMapping/>
   </p:clrMapOvr>
   <p:transition spd="med"/>
-  <p:timing>
-    <p:tnLst>
-      <p:par>
-        <p:cTn id="1" dur="indefinite" restart="never" nodeType="tmRoot"/>
-      </p:par>
-    </p:tnLst>
-  </p:timing>
 </p:sld>
 </file>
 
@@ -11277,10 +10836,9 @@
           <a:lstStyle/>
           <a:p>
             <a:r>
-              <a:rPr lang="en-US" dirty="0" smtClean="0"/>
+              <a:rPr lang="en-US" dirty="0"/>
               <a:t>Model-View-Controller</a:t>
             </a:r>
-            <a:endParaRPr lang="en-US" dirty="0"/>
           </a:p>
         </p:txBody>
       </p:sp>
@@ -11335,13 +10893,6 @@
   <p:clrMapOvr>
     <a:masterClrMapping/>
   </p:clrMapOvr>
-  <p:timing>
-    <p:tnLst>
-      <p:par>
-        <p:cTn id="1" dur="indefinite" restart="never" nodeType="tmRoot"/>
-      </p:par>
-    </p:tnLst>
-  </p:timing>
 </p:sld>
 </file>
 
@@ -11378,10 +10929,9 @@
           <a:lstStyle/>
           <a:p>
             <a:r>
-              <a:rPr lang="en-US" dirty="0" smtClean="0"/>
+              <a:rPr lang="en-US" dirty="0"/>
               <a:t>Data Binding</a:t>
             </a:r>
-            <a:endParaRPr lang="en-US" dirty="0"/>
           </a:p>
         </p:txBody>
       </p:sp>
@@ -11401,42 +10951,42 @@
           <a:lstStyle/>
           <a:p>
             <a:r>
-              <a:rPr lang="en-US" sz="2800" dirty="0" smtClean="0"/>
+              <a:rPr lang="en-US" sz="2800" dirty="0"/>
               <a:t>Data in models are </a:t>
             </a:r>
             <a:r>
-              <a:rPr lang="en-US" sz="2800" i="1" dirty="0" smtClean="0"/>
+              <a:rPr lang="en-US" sz="2800" i="1" dirty="0"/>
               <a:t>bound</a:t>
             </a:r>
             <a:r>
-              <a:rPr lang="en-US" sz="2800" dirty="0" smtClean="0"/>
+              <a:rPr lang="en-US" sz="2800" dirty="0"/>
               <a:t> to controls in views and the model manages the binding.</a:t>
             </a:r>
           </a:p>
           <a:p>
             <a:r>
-              <a:rPr lang="en-US" sz="2800" dirty="0" smtClean="0"/>
+              <a:rPr lang="en-US" sz="2800" dirty="0"/>
               <a:t>There are three binding modes:</a:t>
             </a:r>
           </a:p>
           <a:p>
             <a:pPr lvl="3"/>
             <a:r>
-              <a:rPr lang="en-US" sz="2000" dirty="0" smtClean="0"/>
+              <a:rPr lang="en-US" sz="2000" dirty="0"/>
               <a:t>One-time binding – data is copied from the model to the view but if the model data changes, the view is not updated.</a:t>
             </a:r>
           </a:p>
           <a:p>
             <a:pPr lvl="3"/>
             <a:r>
-              <a:rPr lang="en-US" sz="2000" dirty="0" smtClean="0"/>
+              <a:rPr lang="en-US" sz="2000" dirty="0"/>
               <a:t>One-way binding – data from the model is displayed in the view but changes to the data in the view are not transferred to the model.  If the data in the model changes the data in the view is updated.</a:t>
             </a:r>
           </a:p>
           <a:p>
             <a:pPr lvl="3"/>
             <a:r>
-              <a:rPr lang="en-US" sz="2000" dirty="0" smtClean="0"/>
+              <a:rPr lang="en-US" sz="2000" dirty="0"/>
               <a:t>Two-way binding – two way flow of data between the model and the view.  Changes in one are reflected in the other.  Two-way binding is the default binding method.</a:t>
             </a:r>
           </a:p>
@@ -11446,7 +10996,7 @@
           </a:p>
           <a:p>
             <a:pPr lvl="2"/>
-            <a:endParaRPr lang="en-US" sz="2000" dirty="0" smtClean="0"/>
+            <a:endParaRPr lang="en-US" sz="2000" dirty="0"/>
           </a:p>
           <a:p>
             <a:pPr lvl="3"/>
@@ -11464,13 +11014,6 @@
   <p:clrMapOvr>
     <a:masterClrMapping/>
   </p:clrMapOvr>
-  <p:timing>
-    <p:tnLst>
-      <p:par>
-        <p:cTn id="1" dur="indefinite" restart="never" nodeType="tmRoot"/>
-      </p:par>
-    </p:tnLst>
-  </p:timing>
 </p:sld>
 </file>
 
@@ -11507,10 +11050,9 @@
           <a:lstStyle/>
           <a:p>
             <a:r>
-              <a:rPr lang="en-US" dirty="0" smtClean="0"/>
+              <a:rPr lang="en-US" dirty="0"/>
               <a:t>Data Binding</a:t>
             </a:r>
-            <a:endParaRPr lang="en-US" dirty="0"/>
           </a:p>
         </p:txBody>
       </p:sp>
@@ -11532,51 +11074,43 @@
             <a:pPr lvl="3"/>
             <a:r>
               <a:rPr lang="en-US" sz="2400" dirty="0"/>
-              <a:t>There are two types of bindings</a:t>
-            </a:r>
-            <a:r>
-              <a:rPr lang="en-US" sz="2400" dirty="0" smtClean="0"/>
-              <a:t>:</a:t>
+              <a:t>There are two types of bindings:</a:t>
             </a:r>
           </a:p>
           <a:p>
             <a:pPr lvl="4"/>
             <a:r>
-              <a:rPr lang="en-US" sz="2300" dirty="0" smtClean="0"/>
+              <a:rPr lang="en-US" sz="2300" dirty="0"/>
               <a:t>Single property – a single value from the model is bound to a property in a control. For example, the value property of an Input control is bound to a </a:t>
             </a:r>
             <a:r>
-              <a:rPr lang="en-US" sz="2300" dirty="0" err="1" smtClean="0"/>
+              <a:rPr lang="en-US" sz="2300" dirty="0" err="1"/>
               <a:t>firstname</a:t>
             </a:r>
             <a:r>
-              <a:rPr lang="en-US" sz="2300" dirty="0" smtClean="0"/>
+              <a:rPr lang="en-US" sz="2300" dirty="0"/>
               <a:t> property in the model</a:t>
             </a:r>
             <a:br>
-              <a:rPr lang="en-US" sz="2300" dirty="0" smtClean="0"/>
+              <a:rPr lang="en-US" sz="2300" dirty="0"/>
             </a:br>
-            <a:r>
-              <a:rPr lang="en-US" sz="2300" dirty="0" smtClean="0"/>
-              <a:t/>
-            </a:r>
             <a:br>
-              <a:rPr lang="en-US" sz="2300" dirty="0" smtClean="0"/>
+              <a:rPr lang="en-US" sz="2300" dirty="0"/>
             </a:br>
             <a:r>
-              <a:rPr lang="en-US" sz="2300" dirty="0" smtClean="0"/>
+              <a:rPr lang="en-US" sz="2300" dirty="0"/>
               <a:t>	&lt;Input value=“{/</a:t>
             </a:r>
             <a:r>
-              <a:rPr lang="en-US" sz="2300" dirty="0" err="1" smtClean="0"/>
+              <a:rPr lang="en-US" sz="2300" dirty="0" err="1"/>
               <a:t>firstname</a:t>
             </a:r>
             <a:r>
-              <a:rPr lang="en-US" sz="2300" dirty="0" smtClean="0"/>
+              <a:rPr lang="en-US" sz="2300" dirty="0"/>
               <a:t>}” /&gt;</a:t>
             </a:r>
             <a:br>
-              <a:rPr lang="en-US" sz="2300" dirty="0" smtClean="0"/>
+              <a:rPr lang="en-US" sz="2300" dirty="0"/>
             </a:br>
             <a:endParaRPr lang="en-US" sz="2300" dirty="0"/>
           </a:p>
@@ -11584,28 +11118,19 @@
             <a:pPr lvl="4"/>
             <a:r>
               <a:rPr lang="en-US" sz="2400" dirty="0"/>
-              <a:t>Aggregation – an aggregation binding allows multiple data items to be bound.  For example, the items  property of a List control can be bound to an array creating a list item for each item in the array</a:t>
-            </a:r>
-            <a:r>
-              <a:rPr lang="en-US" sz="2400" dirty="0" smtClean="0"/>
-              <a:t>.  A template for the individual items must be provided.</a:t>
-            </a:r>
-            <a:r>
-              <a:rPr lang="en-US" sz="4000" dirty="0" smtClean="0"/>
-              <a:t/>
+              <a:t>Aggregation – an aggregation binding allows multiple data items to be bound.  For example, the items  property of a List control can be bound to an array creating a list item for each item in the array.  A template for the individual items must be provided.</a:t>
             </a:r>
             <a:br>
-              <a:rPr lang="en-US" sz="4000" dirty="0" smtClean="0"/>
+              <a:rPr lang="en-US" sz="4000" dirty="0"/>
             </a:br>
             <a:r>
-              <a:rPr lang="en-US" sz="4000" dirty="0" smtClean="0"/>
+              <a:rPr lang="en-US" sz="4000" dirty="0"/>
               <a:t>	</a:t>
             </a:r>
             <a:r>
-              <a:rPr lang="en-US" sz="2300" dirty="0" smtClean="0"/>
+              <a:rPr lang="en-US" sz="2300" dirty="0"/>
               <a:t>&lt;List items=“{/employees}” /&gt;</a:t>
             </a:r>
-            <a:endParaRPr lang="en-US" sz="2300" dirty="0"/>
           </a:p>
           <a:p>
             <a:endParaRPr lang="en-US" dirty="0"/>
@@ -11622,13 +11147,6 @@
   <p:clrMapOvr>
     <a:masterClrMapping/>
   </p:clrMapOvr>
-  <p:timing>
-    <p:tnLst>
-      <p:par>
-        <p:cTn id="1" dur="indefinite" restart="never" nodeType="tmRoot"/>
-      </p:par>
-    </p:tnLst>
-  </p:timing>
 </p:sld>
 </file>
 
@@ -11665,10 +11183,9 @@
           <a:lstStyle/>
           <a:p>
             <a:r>
-              <a:rPr lang="en-US" dirty="0" smtClean="0"/>
+              <a:rPr lang="en-US" dirty="0"/>
               <a:t>Binding Context</a:t>
             </a:r>
-            <a:endParaRPr lang="en-US" dirty="0"/>
           </a:p>
         </p:txBody>
       </p:sp>
@@ -11688,22 +11205,21 @@
           <a:lstStyle/>
           <a:p>
             <a:r>
-              <a:rPr lang="en-US" sz="2800" dirty="0" smtClean="0"/>
+              <a:rPr lang="en-US" sz="2800" dirty="0"/>
               <a:t>When a control is bound to a data element, a binding context is created.</a:t>
             </a:r>
           </a:p>
           <a:p>
             <a:r>
-              <a:rPr lang="en-US" sz="2800" dirty="0" smtClean="0"/>
+              <a:rPr lang="en-US" sz="2800" dirty="0"/>
               <a:t>The binding context contains properties and methods to manage the data binding and an event which fires whenever the data in the model or view changes.</a:t>
             </a:r>
           </a:p>
           <a:p>
             <a:r>
-              <a:rPr lang="en-US" sz="2800" dirty="0" smtClean="0"/>
+              <a:rPr lang="en-US" sz="2800" dirty="0"/>
               <a:t>One of the properties of the binding context is the path to the data in the data model that is bound to the control</a:t>
             </a:r>
-            <a:endParaRPr lang="en-US" sz="2800" dirty="0"/>
           </a:p>
         </p:txBody>
       </p:sp>
@@ -11717,13 +11233,6 @@
   <p:clrMapOvr>
     <a:masterClrMapping/>
   </p:clrMapOvr>
-  <p:timing>
-    <p:tnLst>
-      <p:par>
-        <p:cTn id="1" dur="indefinite" restart="never" nodeType="tmRoot"/>
-      </p:par>
-    </p:tnLst>
-  </p:timing>
 </p:sld>
 </file>
 
@@ -12120,31 +11629,15 @@
                 <a:ea typeface="Calibri" panose="020F0502020204030204" pitchFamily="34" charset="0"/>
                 <a:cs typeface="Times New Roman" panose="02020603050405020304" pitchFamily="18" charset="0"/>
               </a:rPr>
-              <a:t>            "Language" : </a:t>
-            </a:r>
-            <a:r>
-              <a:rPr lang="en-US" sz="1100" dirty="0" smtClean="0">
+              <a:t>            "Language" : “</a:t>
+            </a:r>
+            <a:r>
+              <a:rPr lang="en-US" sz="1100" dirty="0" err="1">
                 <a:latin typeface="Calibri" panose="020F0502020204030204" pitchFamily="34" charset="0"/>
                 <a:ea typeface="Calibri" panose="020F0502020204030204" pitchFamily="34" charset="0"/>
                 <a:cs typeface="Times New Roman" panose="02020603050405020304" pitchFamily="18" charset="0"/>
               </a:rPr>
-              <a:t>“</a:t>
-            </a:r>
-            <a:r>
-              <a:rPr lang="en-US" sz="1100" dirty="0" err="1" smtClean="0">
-                <a:latin typeface="Calibri" panose="020F0502020204030204" pitchFamily="34" charset="0"/>
-                <a:ea typeface="Calibri" panose="020F0502020204030204" pitchFamily="34" charset="0"/>
-                <a:cs typeface="Times New Roman" panose="02020603050405020304" pitchFamily="18" charset="0"/>
-              </a:rPr>
-              <a:t>F</a:t>
-            </a:r>
-            <a:r>
-              <a:rPr lang="en-US" sz="1100" dirty="0" err="1" smtClean="0">
-                <a:latin typeface="Calibri" panose="020F0502020204030204" pitchFamily="34" charset="0"/>
-                <a:ea typeface="Calibri" panose="020F0502020204030204" pitchFamily="34" charset="0"/>
-                <a:cs typeface="Times New Roman" panose="02020603050405020304" pitchFamily="18" charset="0"/>
-              </a:rPr>
-              <a:t>rançais</a:t>
+              <a:t>Français</a:t>
             </a:r>
             <a:r>
               <a:rPr lang="en-US" sz="1100" dirty="0">
@@ -12251,10 +11744,9 @@
           <a:lstStyle/>
           <a:p>
             <a:r>
-              <a:rPr lang="en-US" dirty="0" smtClean="0"/>
+              <a:rPr lang="en-US" dirty="0"/>
               <a:t>Binding Path</a:t>
             </a:r>
-            <a:endParaRPr lang="en-US" dirty="0"/>
           </a:p>
         </p:txBody>
       </p:sp>
@@ -12293,33 +11785,33 @@
               <a:buSzPct val="80000"/>
             </a:pPr>
             <a:r>
-              <a:rPr lang="en-US" sz="1800" kern="0" dirty="0" smtClean="0">
+              <a:rPr lang="en-US" sz="1800" kern="0" dirty="0">
                 <a:ea typeface="Arial Unicode MS" pitchFamily="34" charset="-128"/>
                 <a:cs typeface="Arial Unicode MS" pitchFamily="34" charset="-128"/>
               </a:rPr>
               <a:t>JSON model used in case HD1C01.  JSON uses JavaScript</a:t>
             </a:r>
             <a:br>
-              <a:rPr lang="en-US" sz="1800" kern="0" dirty="0" smtClean="0">
+              <a:rPr lang="en-US" sz="1800" kern="0" dirty="0">
                 <a:ea typeface="Arial Unicode MS" pitchFamily="34" charset="-128"/>
                 <a:cs typeface="Arial Unicode MS" pitchFamily="34" charset="-128"/>
               </a:rPr>
             </a:br>
             <a:r>
-              <a:rPr lang="en-US" sz="1800" kern="0" dirty="0" smtClean="0">
+              <a:rPr lang="en-US" sz="1800" kern="0" dirty="0">
                 <a:ea typeface="Arial Unicode MS" pitchFamily="34" charset="-128"/>
                 <a:cs typeface="Arial Unicode MS" pitchFamily="34" charset="-128"/>
               </a:rPr>
               <a:t>notation so arrays use square brackets [ ] and objects use</a:t>
             </a:r>
             <a:br>
-              <a:rPr lang="en-US" sz="1800" kern="0" dirty="0" smtClean="0">
+              <a:rPr lang="en-US" sz="1800" kern="0" dirty="0">
                 <a:ea typeface="Arial Unicode MS" pitchFamily="34" charset="-128"/>
                 <a:cs typeface="Arial Unicode MS" pitchFamily="34" charset="-128"/>
               </a:rPr>
             </a:br>
             <a:r>
-              <a:rPr lang="en-US" sz="1800" kern="0" dirty="0" smtClean="0">
+              <a:rPr lang="en-US" sz="1800" kern="0" dirty="0">
                 <a:ea typeface="Arial Unicode MS" pitchFamily="34" charset="-128"/>
                 <a:cs typeface="Arial Unicode MS" pitchFamily="34" charset="-128"/>
               </a:rPr>
@@ -12358,33 +11850,33 @@
               <a:buSzPct val="80000"/>
             </a:pPr>
             <a:r>
-              <a:rPr lang="en-US" sz="1800" kern="0" dirty="0" smtClean="0">
+              <a:rPr lang="en-US" sz="1800" kern="0" dirty="0">
                 <a:ea typeface="Arial Unicode MS" pitchFamily="34" charset="-128"/>
                 <a:cs typeface="Arial Unicode MS" pitchFamily="34" charset="-128"/>
               </a:rPr>
               <a:t>One property of the binding context is the binding path which</a:t>
             </a:r>
             <a:br>
-              <a:rPr lang="en-US" sz="1800" kern="0" dirty="0" smtClean="0">
+              <a:rPr lang="en-US" sz="1800" kern="0" dirty="0">
                 <a:ea typeface="Arial Unicode MS" pitchFamily="34" charset="-128"/>
                 <a:cs typeface="Arial Unicode MS" pitchFamily="34" charset="-128"/>
               </a:rPr>
             </a:br>
             <a:r>
-              <a:rPr lang="en-US" sz="1800" kern="0" dirty="0" smtClean="0">
+              <a:rPr lang="en-US" sz="1800" kern="0" dirty="0">
                 <a:ea typeface="Arial Unicode MS" pitchFamily="34" charset="-128"/>
                 <a:cs typeface="Arial Unicode MS" pitchFamily="34" charset="-128"/>
               </a:rPr>
               <a:t>indicates the specific property or object in the model data that</a:t>
             </a:r>
             <a:br>
-              <a:rPr lang="en-US" sz="1800" kern="0" dirty="0" smtClean="0">
+              <a:rPr lang="en-US" sz="1800" kern="0" dirty="0">
                 <a:ea typeface="Arial Unicode MS" pitchFamily="34" charset="-128"/>
                 <a:cs typeface="Arial Unicode MS" pitchFamily="34" charset="-128"/>
               </a:rPr>
             </a:br>
             <a:r>
-              <a:rPr lang="en-US" sz="1800" kern="0" dirty="0" smtClean="0">
+              <a:rPr lang="en-US" sz="1800" kern="0" dirty="0">
                 <a:ea typeface="Arial Unicode MS" pitchFamily="34" charset="-128"/>
                 <a:cs typeface="Arial Unicode MS" pitchFamily="34" charset="-128"/>
               </a:rPr>
@@ -12423,7 +11915,7 @@
               <a:buSzPct val="80000"/>
             </a:pPr>
             <a:r>
-              <a:rPr lang="en-US" sz="1800" kern="0" dirty="0" smtClean="0">
+              <a:rPr lang="en-US" sz="1800" kern="0" dirty="0">
                 <a:ea typeface="Arial Unicode MS" pitchFamily="34" charset="-128"/>
                 <a:cs typeface="Arial Unicode MS" pitchFamily="34" charset="-128"/>
               </a:rPr>
@@ -12462,33 +11954,33 @@
               <a:buSzPct val="80000"/>
             </a:pPr>
             <a:r>
-              <a:rPr lang="en-US" sz="1800" kern="0" dirty="0" smtClean="0">
+              <a:rPr lang="en-US" sz="1800" kern="0" dirty="0">
                 <a:ea typeface="Arial Unicode MS" pitchFamily="34" charset="-128"/>
                 <a:cs typeface="Arial Unicode MS" pitchFamily="34" charset="-128"/>
               </a:rPr>
               <a:t>The root of the model is indicated by a / and the various levels</a:t>
             </a:r>
             <a:br>
-              <a:rPr lang="en-US" sz="1800" kern="0" dirty="0" smtClean="0">
+              <a:rPr lang="en-US" sz="1800" kern="0" dirty="0">
                 <a:ea typeface="Arial Unicode MS" pitchFamily="34" charset="-128"/>
                 <a:cs typeface="Arial Unicode MS" pitchFamily="34" charset="-128"/>
               </a:rPr>
             </a:br>
             <a:r>
-              <a:rPr lang="en-US" sz="1800" kern="0" dirty="0" smtClean="0">
+              <a:rPr lang="en-US" sz="1800" kern="0" dirty="0">
                 <a:ea typeface="Arial Unicode MS" pitchFamily="34" charset="-128"/>
                 <a:cs typeface="Arial Unicode MS" pitchFamily="34" charset="-128"/>
               </a:rPr>
               <a:t>of the model are separated by /s.  Items in arrays are indicated</a:t>
             </a:r>
             <a:br>
-              <a:rPr lang="en-US" sz="1800" kern="0" dirty="0" smtClean="0">
+              <a:rPr lang="en-US" sz="1800" kern="0" dirty="0">
                 <a:ea typeface="Arial Unicode MS" pitchFamily="34" charset="-128"/>
                 <a:cs typeface="Arial Unicode MS" pitchFamily="34" charset="-128"/>
               </a:rPr>
             </a:br>
             <a:r>
-              <a:rPr lang="en-US" sz="1800" kern="0" dirty="0" smtClean="0">
+              <a:rPr lang="en-US" sz="1800" kern="0" dirty="0">
                 <a:ea typeface="Arial Unicode MS" pitchFamily="34" charset="-128"/>
                 <a:cs typeface="Arial Unicode MS" pitchFamily="34" charset="-128"/>
               </a:rPr>
@@ -12539,7 +12031,7 @@
               <a:buSzPct val="80000"/>
               <a:tabLst/>
             </a:pPr>
-            <a:endParaRPr kumimoji="0" lang="en-US" sz="2000" b="0" i="0" u="none" strike="noStrike" kern="0" cap="none" spc="0" normalizeH="0" baseline="0" noProof="0" dirty="0" err="1" smtClean="0">
+            <a:endParaRPr kumimoji="0" lang="en-US" sz="2000" b="0" i="0" u="none" strike="noStrike" kern="0" cap="none" spc="0" normalizeH="0" baseline="0" noProof="0" dirty="0" err="1">
               <a:ln>
                 <a:noFill/>
               </a:ln>
@@ -12594,7 +12086,7 @@
               <a:buSzPct val="80000"/>
               <a:tabLst/>
             </a:pPr>
-            <a:endParaRPr kumimoji="0" lang="en-US" sz="2000" b="0" i="0" u="none" strike="noStrike" kern="0" cap="none" spc="0" normalizeH="0" baseline="0" noProof="0" dirty="0" err="1" smtClean="0">
+            <a:endParaRPr kumimoji="0" lang="en-US" sz="2000" b="0" i="0" u="none" strike="noStrike" kern="0" cap="none" spc="0" normalizeH="0" baseline="0" noProof="0" dirty="0" err="1">
               <a:ln>
                 <a:noFill/>
               </a:ln>
@@ -12649,7 +12141,7 @@
               <a:buSzPct val="80000"/>
               <a:tabLst/>
             </a:pPr>
-            <a:endParaRPr kumimoji="0" lang="en-US" sz="2000" b="0" i="0" u="none" strike="noStrike" kern="0" cap="none" spc="0" normalizeH="0" baseline="0" noProof="0" dirty="0" err="1" smtClean="0">
+            <a:endParaRPr kumimoji="0" lang="en-US" sz="2000" b="0" i="0" u="none" strike="noStrike" kern="0" cap="none" spc="0" normalizeH="0" baseline="0" noProof="0" dirty="0" err="1">
               <a:ln>
                 <a:noFill/>
               </a:ln>
@@ -12697,7 +12189,7 @@
               <a:buSzPct val="80000"/>
             </a:pPr>
             <a:r>
-              <a:rPr lang="en-US" sz="1800" kern="0" dirty="0" smtClean="0">
+              <a:rPr lang="en-US" sz="1800" kern="0" dirty="0">
                 <a:ea typeface="Arial Unicode MS" pitchFamily="34" charset="-128"/>
                 <a:cs typeface="Arial Unicode MS" pitchFamily="34" charset="-128"/>
               </a:rPr>
@@ -13340,31 +12832,15 @@
                 <a:ea typeface="Calibri" panose="020F0502020204030204" pitchFamily="34" charset="0"/>
                 <a:cs typeface="Times New Roman" panose="02020603050405020304" pitchFamily="18" charset="0"/>
               </a:rPr>
-              <a:t>            "Language" : </a:t>
-            </a:r>
-            <a:r>
-              <a:rPr lang="en-US" sz="1100" dirty="0" smtClean="0">
+              <a:t>            "Language" : “</a:t>
+            </a:r>
+            <a:r>
+              <a:rPr lang="en-US" sz="1100" dirty="0" err="1">
                 <a:latin typeface="Calibri" panose="020F0502020204030204" pitchFamily="34" charset="0"/>
                 <a:ea typeface="Calibri" panose="020F0502020204030204" pitchFamily="34" charset="0"/>
                 <a:cs typeface="Times New Roman" panose="02020603050405020304" pitchFamily="18" charset="0"/>
               </a:rPr>
-              <a:t>“</a:t>
-            </a:r>
-            <a:r>
-              <a:rPr lang="en-US" sz="1100" dirty="0" err="1" smtClean="0">
-                <a:latin typeface="Calibri" panose="020F0502020204030204" pitchFamily="34" charset="0"/>
-                <a:ea typeface="Calibri" panose="020F0502020204030204" pitchFamily="34" charset="0"/>
-                <a:cs typeface="Times New Roman" panose="02020603050405020304" pitchFamily="18" charset="0"/>
-              </a:rPr>
-              <a:t>F</a:t>
-            </a:r>
-            <a:r>
-              <a:rPr lang="en-US" sz="1100" dirty="0" err="1" smtClean="0">
-                <a:latin typeface="Calibri" panose="020F0502020204030204" pitchFamily="34" charset="0"/>
-                <a:ea typeface="Calibri" panose="020F0502020204030204" pitchFamily="34" charset="0"/>
-                <a:cs typeface="Times New Roman" panose="02020603050405020304" pitchFamily="18" charset="0"/>
-              </a:rPr>
-              <a:t>rançais</a:t>
+              <a:t>Français</a:t>
             </a:r>
             <a:r>
               <a:rPr lang="en-US" sz="1100" dirty="0">
@@ -13471,10 +12947,9 @@
           <a:lstStyle/>
           <a:p>
             <a:r>
-              <a:rPr lang="en-US" dirty="0" smtClean="0"/>
+              <a:rPr lang="en-US" dirty="0"/>
               <a:t>Binding Path</a:t>
             </a:r>
-            <a:endParaRPr lang="en-US" dirty="0"/>
           </a:p>
         </p:txBody>
       </p:sp>
@@ -13513,20 +12988,20 @@
               <a:buSzPct val="80000"/>
             </a:pPr>
             <a:r>
-              <a:rPr lang="en-US" sz="1800" kern="0" dirty="0" smtClean="0">
+              <a:rPr lang="en-US" sz="1800" kern="0" dirty="0">
                 <a:ea typeface="Arial Unicode MS" pitchFamily="34" charset="-128"/>
                 <a:cs typeface="Arial Unicode MS" pitchFamily="34" charset="-128"/>
               </a:rPr>
               <a:t>/</a:t>
             </a:r>
             <a:r>
-              <a:rPr lang="en-US" sz="1800" kern="0" dirty="0" err="1" smtClean="0">
+              <a:rPr lang="en-US" sz="1800" kern="0" dirty="0" err="1">
                 <a:ea typeface="Arial Unicode MS" pitchFamily="34" charset="-128"/>
                 <a:cs typeface="Arial Unicode MS" pitchFamily="34" charset="-128"/>
               </a:rPr>
               <a:t>HelloCollection</a:t>
             </a:r>
-            <a:endParaRPr lang="en-US" sz="1800" kern="0" dirty="0" smtClean="0">
+            <a:endParaRPr lang="en-US" sz="1800" kern="0" dirty="0">
               <a:ea typeface="Arial Unicode MS" pitchFamily="34" charset="-128"/>
               <a:cs typeface="Arial Unicode MS" pitchFamily="34" charset="-128"/>
             </a:endParaRPr>
@@ -13611,7 +13086,7 @@
               <a:buSzPct val="80000"/>
               <a:tabLst/>
             </a:pPr>
-            <a:endParaRPr kumimoji="0" lang="en-US" sz="2000" b="0" i="0" u="none" strike="noStrike" kern="0" cap="none" spc="0" normalizeH="0" baseline="0" noProof="0" dirty="0" err="1" smtClean="0">
+            <a:endParaRPr kumimoji="0" lang="en-US" sz="2000" b="0" i="0" u="none" strike="noStrike" kern="0" cap="none" spc="0" normalizeH="0" baseline="0" noProof="0" dirty="0" err="1">
               <a:ln>
                 <a:noFill/>
               </a:ln>
@@ -13659,21 +13134,21 @@
               <a:buSzPct val="80000"/>
             </a:pPr>
             <a:r>
-              <a:rPr lang="en-US" sz="1800" kern="0" dirty="0" smtClean="0">
+              <a:rPr lang="en-US" sz="1800" kern="0" dirty="0">
                 <a:ea typeface="Arial Unicode MS" pitchFamily="34" charset="-128"/>
                 <a:cs typeface="Arial Unicode MS" pitchFamily="34" charset="-128"/>
               </a:rPr>
               <a:t>/</a:t>
             </a:r>
             <a:r>
-              <a:rPr lang="en-US" sz="1800" kern="0" dirty="0" err="1" smtClean="0">
+              <a:rPr lang="en-US" sz="1800" kern="0" dirty="0" err="1">
                 <a:ea typeface="Arial Unicode MS" pitchFamily="34" charset="-128"/>
                 <a:cs typeface="Arial Unicode MS" pitchFamily="34" charset="-128"/>
               </a:rPr>
               <a:t>HelloCollection</a:t>
             </a:r>
             <a:r>
-              <a:rPr lang="en-US" sz="1800" kern="0" dirty="0" smtClean="0">
+              <a:rPr lang="en-US" sz="1800" kern="0" dirty="0">
                 <a:ea typeface="Arial Unicode MS" pitchFamily="34" charset="-128"/>
                 <a:cs typeface="Arial Unicode MS" pitchFamily="34" charset="-128"/>
               </a:rPr>
@@ -13724,7 +13199,7 @@
               <a:buSzPct val="80000"/>
               <a:tabLst/>
             </a:pPr>
-            <a:endParaRPr kumimoji="0" lang="en-US" sz="2000" b="0" i="0" u="none" strike="noStrike" kern="0" cap="none" spc="0" normalizeH="0" baseline="0" noProof="0" dirty="0" err="1" smtClean="0">
+            <a:endParaRPr kumimoji="0" lang="en-US" sz="2000" b="0" i="0" u="none" strike="noStrike" kern="0" cap="none" spc="0" normalizeH="0" baseline="0" noProof="0" dirty="0" err="1">
               <a:ln>
                 <a:noFill/>
               </a:ln>
@@ -13815,7 +13290,7 @@
               <a:buSzPct val="80000"/>
               <a:tabLst/>
             </a:pPr>
-            <a:endParaRPr kumimoji="0" lang="en-US" sz="2000" b="0" i="0" u="none" strike="noStrike" kern="0" cap="none" spc="0" normalizeH="0" baseline="0" noProof="0" dirty="0" err="1" smtClean="0">
+            <a:endParaRPr kumimoji="0" lang="en-US" sz="2000" b="0" i="0" u="none" strike="noStrike" kern="0" cap="none" spc="0" normalizeH="0" baseline="0" noProof="0" dirty="0" err="1">
               <a:ln>
                 <a:noFill/>
               </a:ln>
@@ -13862,7 +13337,7 @@
               </a:buClr>
               <a:buSzPct val="80000"/>
             </a:pPr>
-            <a:endParaRPr lang="en-US" sz="1800" kern="0" dirty="0" err="1" smtClean="0">
+            <a:endParaRPr lang="en-US" sz="1800" kern="0" dirty="0" err="1">
               <a:ea typeface="Arial Unicode MS" pitchFamily="34" charset="-128"/>
               <a:cs typeface="Arial Unicode MS" pitchFamily="34" charset="-128"/>
             </a:endParaRPr>
@@ -13913,7 +13388,7 @@
               <a:buSzPct val="80000"/>
               <a:tabLst/>
             </a:pPr>
-            <a:endParaRPr kumimoji="0" lang="en-US" sz="2000" b="0" i="0" u="none" strike="noStrike" kern="0" cap="none" spc="0" normalizeH="0" baseline="0" noProof="0" dirty="0" err="1" smtClean="0">
+            <a:endParaRPr kumimoji="0" lang="en-US" sz="2000" b="0" i="0" u="none" strike="noStrike" kern="0" cap="none" spc="0" normalizeH="0" baseline="0" noProof="0" dirty="0" err="1">
               <a:ln>
                 <a:noFill/>
               </a:ln>
@@ -13970,7 +13445,7 @@
               <a:buSzPct val="80000"/>
               <a:tabLst/>
             </a:pPr>
-            <a:endParaRPr kumimoji="0" lang="en-US" sz="2000" b="0" i="0" u="none" strike="noStrike" kern="0" cap="none" spc="0" normalizeH="0" baseline="0" noProof="0" dirty="0" err="1" smtClean="0">
+            <a:endParaRPr kumimoji="0" lang="en-US" sz="2000" b="0" i="0" u="none" strike="noStrike" kern="0" cap="none" spc="0" normalizeH="0" baseline="0" noProof="0" dirty="0" err="1">
               <a:ln>
                 <a:noFill/>
               </a:ln>
@@ -14018,21 +13493,21 @@
               <a:buSzPct val="80000"/>
             </a:pPr>
             <a:r>
-              <a:rPr lang="en-US" sz="1800" kern="0" dirty="0" smtClean="0">
+              <a:rPr lang="en-US" sz="1800" kern="0" dirty="0">
                 <a:ea typeface="Arial Unicode MS" pitchFamily="34" charset="-128"/>
                 <a:cs typeface="Arial Unicode MS" pitchFamily="34" charset="-128"/>
               </a:rPr>
               <a:t>/</a:t>
             </a:r>
             <a:r>
-              <a:rPr lang="en-US" sz="1800" kern="0" dirty="0" err="1" smtClean="0">
+              <a:rPr lang="en-US" sz="1800" kern="0" dirty="0" err="1">
                 <a:ea typeface="Arial Unicode MS" pitchFamily="34" charset="-128"/>
                 <a:cs typeface="Arial Unicode MS" pitchFamily="34" charset="-128"/>
               </a:rPr>
               <a:t>HelloCollection</a:t>
             </a:r>
             <a:r>
-              <a:rPr lang="en-US" sz="1800" kern="0" dirty="0" smtClean="0">
+              <a:rPr lang="en-US" sz="1800" kern="0" dirty="0">
                 <a:ea typeface="Arial Unicode MS" pitchFamily="34" charset="-128"/>
                 <a:cs typeface="Arial Unicode MS" pitchFamily="34" charset="-128"/>
               </a:rPr>
@@ -14121,7 +13596,7 @@
               <a:buSzPct val="80000"/>
               <a:tabLst/>
             </a:pPr>
-            <a:endParaRPr kumimoji="0" lang="en-US" sz="2000" b="0" i="0" u="none" strike="noStrike" kern="0" cap="none" spc="0" normalizeH="0" baseline="0" noProof="0" dirty="0" err="1" smtClean="0">
+            <a:endParaRPr kumimoji="0" lang="en-US" sz="2000" b="0" i="0" u="none" strike="noStrike" kern="0" cap="none" spc="0" normalizeH="0" baseline="0" noProof="0" dirty="0" err="1">
               <a:ln>
                 <a:noFill/>
               </a:ln>
@@ -14169,21 +13644,21 @@
               <a:buSzPct val="80000"/>
             </a:pPr>
             <a:r>
-              <a:rPr lang="en-US" sz="1800" kern="0" dirty="0" smtClean="0">
+              <a:rPr lang="en-US" sz="1800" kern="0" dirty="0">
                 <a:ea typeface="Arial Unicode MS" pitchFamily="34" charset="-128"/>
                 <a:cs typeface="Arial Unicode MS" pitchFamily="34" charset="-128"/>
               </a:rPr>
               <a:t>/</a:t>
             </a:r>
             <a:r>
-              <a:rPr lang="en-US" sz="1800" kern="0" dirty="0" err="1" smtClean="0">
+              <a:rPr lang="en-US" sz="1800" kern="0" dirty="0" err="1">
                 <a:ea typeface="Arial Unicode MS" pitchFamily="34" charset="-128"/>
                 <a:cs typeface="Arial Unicode MS" pitchFamily="34" charset="-128"/>
               </a:rPr>
               <a:t>HelloCollection</a:t>
             </a:r>
             <a:r>
-              <a:rPr lang="en-US" sz="1800" kern="0" dirty="0" smtClean="0">
+              <a:rPr lang="en-US" sz="1800" kern="0" dirty="0">
                 <a:ea typeface="Arial Unicode MS" pitchFamily="34" charset="-128"/>
                 <a:cs typeface="Arial Unicode MS" pitchFamily="34" charset="-128"/>
               </a:rPr>
@@ -14263,30 +13738,26 @@
               <a:buSzPct val="80000"/>
             </a:pPr>
             <a:r>
-              <a:rPr lang="en-US" sz="1800" kern="0" dirty="0" smtClean="0">
+              <a:rPr lang="en-US" sz="1800" kern="0" dirty="0">
                 <a:ea typeface="Arial Unicode MS" pitchFamily="34" charset="-128"/>
                 <a:cs typeface="Arial Unicode MS" pitchFamily="34" charset="-128"/>
               </a:rPr>
               <a:t>/</a:t>
             </a:r>
             <a:r>
-              <a:rPr lang="en-US" sz="1800" kern="0" dirty="0" err="1" smtClean="0">
+              <a:rPr lang="en-US" sz="1800" kern="0" dirty="0" err="1">
                 <a:ea typeface="Arial Unicode MS" pitchFamily="34" charset="-128"/>
                 <a:cs typeface="Arial Unicode MS" pitchFamily="34" charset="-128"/>
               </a:rPr>
               <a:t>HelloCollection</a:t>
             </a:r>
             <a:r>
-              <a:rPr lang="en-US" sz="1800" kern="0" dirty="0" smtClean="0">
+              <a:rPr lang="en-US" sz="1800" kern="0" dirty="0">
                 <a:ea typeface="Arial Unicode MS" pitchFamily="34" charset="-128"/>
                 <a:cs typeface="Arial Unicode MS" pitchFamily="34" charset="-128"/>
               </a:rPr>
               <a:t>/0/Language</a:t>
             </a:r>
-            <a:endParaRPr lang="en-US" sz="1800" kern="0" dirty="0" smtClean="0">
-              <a:ea typeface="Arial Unicode MS" pitchFamily="34" charset="-128"/>
-              <a:cs typeface="Arial Unicode MS" pitchFamily="34" charset="-128"/>
-            </a:endParaRPr>
           </a:p>
         </p:txBody>
       </p:sp>
@@ -15000,10 +14471,9 @@
           <a:lstStyle/>
           <a:p>
             <a:r>
-              <a:rPr lang="en-US" dirty="0" smtClean="0"/>
+              <a:rPr lang="en-US" dirty="0"/>
               <a:t>Model Definition</a:t>
             </a:r>
-            <a:endParaRPr lang="en-US" dirty="0"/>
           </a:p>
         </p:txBody>
       </p:sp>
@@ -15015,8 +14485,8 @@
         </p:nvSpPr>
         <p:spPr>
           <a:xfrm>
-            <a:off x="923544" y="2692436"/>
-            <a:ext cx="10222992" cy="985270"/>
+            <a:off x="754586" y="2185227"/>
+            <a:ext cx="7657894" cy="2461058"/>
           </a:xfrm>
           <a:prstGeom prst="rect">
             <a:avLst/>
@@ -15042,12 +14512,56 @@
               </a:spcAft>
             </a:pPr>
             <a:r>
+              <a:rPr lang="en-US" sz="2400" dirty="0">
+                <a:latin typeface="Calibri" panose="020F0502020204030204" pitchFamily="34" charset="0"/>
+                <a:ea typeface="Calibri" panose="020F0502020204030204" pitchFamily="34" charset="0"/>
+                <a:cs typeface="Times New Roman" panose="02020603050405020304" pitchFamily="18" charset="0"/>
+              </a:rPr>
+              <a:t>"models": {</a:t>
+            </a:r>
+          </a:p>
+          <a:p>
+            <a:pPr>
+              <a:lnSpc>
+                <a:spcPct val="107000"/>
+              </a:lnSpc>
+              <a:spcAft>
+                <a:spcPts val="800"/>
+              </a:spcAft>
+            </a:pPr>
+            <a:r>
+              <a:rPr lang="en-US" sz="2400" dirty="0">
+                <a:latin typeface="Calibri" panose="020F0502020204030204" pitchFamily="34" charset="0"/>
+                <a:ea typeface="Calibri" panose="020F0502020204030204" pitchFamily="34" charset="0"/>
+                <a:cs typeface="Times New Roman" panose="02020603050405020304" pitchFamily="18" charset="0"/>
+              </a:rPr>
+              <a:t>    "hello": {</a:t>
+            </a:r>
+          </a:p>
+          <a:p>
+            <a:pPr>
+              <a:lnSpc>
+                <a:spcPct val="107000"/>
+              </a:lnSpc>
+              <a:spcAft>
+                <a:spcPts val="800"/>
+              </a:spcAft>
+            </a:pPr>
+            <a:r>
+              <a:rPr lang="en-US" sz="2400" dirty="0">
+                <a:latin typeface="Calibri" panose="020F0502020204030204" pitchFamily="34" charset="0"/>
+                <a:ea typeface="Calibri" panose="020F0502020204030204" pitchFamily="34" charset="0"/>
+                <a:cs typeface="Times New Roman" panose="02020603050405020304" pitchFamily="18" charset="0"/>
+              </a:rPr>
+              <a:t>		"type": "</a:t>
+            </a:r>
+            <a:r>
               <a:rPr lang="en-US" sz="2400" dirty="0" err="1">
                 <a:latin typeface="Calibri" panose="020F0502020204030204" pitchFamily="34" charset="0"/>
                 <a:ea typeface="Calibri" panose="020F0502020204030204" pitchFamily="34" charset="0"/>
                 <a:cs typeface="Times New Roman" panose="02020603050405020304" pitchFamily="18" charset="0"/>
               </a:rPr>
-              <a:t>var</a:t>
+              <a:t>sap.ui.model.json.JSONModel</a:t>
             </a:r>
             <a:r>
               <a:rPr lang="en-US" sz="2400" dirty="0">
@@ -15055,7 +14569,25 @@
                 <a:ea typeface="Calibri" panose="020F0502020204030204" pitchFamily="34" charset="0"/>
                 <a:cs typeface="Times New Roman" panose="02020603050405020304" pitchFamily="18" charset="0"/>
               </a:rPr>
-              <a:t> </a:t>
+              <a:t>",</a:t>
+            </a:r>
+          </a:p>
+          <a:p>
+            <a:pPr>
+              <a:lnSpc>
+                <a:spcPct val="107000"/>
+              </a:lnSpc>
+              <a:spcAft>
+                <a:spcPts val="800"/>
+              </a:spcAft>
+            </a:pPr>
+            <a:r>
+              <a:rPr lang="en-US" sz="2400" dirty="0">
+                <a:latin typeface="Calibri" panose="020F0502020204030204" pitchFamily="34" charset="0"/>
+                <a:ea typeface="Calibri" panose="020F0502020204030204" pitchFamily="34" charset="0"/>
+                <a:cs typeface="Times New Roman" panose="02020603050405020304" pitchFamily="18" charset="0"/>
+              </a:rPr>
+              <a:t>		"</a:t>
             </a:r>
             <a:r>
               <a:rPr lang="en-US" sz="2400" dirty="0" err="1">
@@ -15063,7 +14595,7 @@
                 <a:ea typeface="Calibri" panose="020F0502020204030204" pitchFamily="34" charset="0"/>
                 <a:cs typeface="Times New Roman" panose="02020603050405020304" pitchFamily="18" charset="0"/>
               </a:rPr>
-              <a:t>oModel</a:t>
+              <a:t>uri</a:t>
             </a:r>
             <a:r>
               <a:rPr lang="en-US" sz="2400" dirty="0">
@@ -15071,7 +14603,7 @@
                 <a:ea typeface="Calibri" panose="020F0502020204030204" pitchFamily="34" charset="0"/>
                 <a:cs typeface="Times New Roman" panose="02020603050405020304" pitchFamily="18" charset="0"/>
               </a:rPr>
-              <a:t> = new </a:t>
+              <a:t>": "model/</a:t>
             </a:r>
             <a:r>
               <a:rPr lang="en-US" sz="2400" dirty="0" err="1">
@@ -15079,7 +14611,7 @@
                 <a:ea typeface="Calibri" panose="020F0502020204030204" pitchFamily="34" charset="0"/>
                 <a:cs typeface="Times New Roman" panose="02020603050405020304" pitchFamily="18" charset="0"/>
               </a:rPr>
-              <a:t>sap.ui.model.json.JSONModel</a:t>
+              <a:t>HelloModel.json</a:t>
             </a:r>
             <a:r>
               <a:rPr lang="en-US" sz="2400" dirty="0">
@@ -15087,65 +14619,25 @@
                 <a:ea typeface="Calibri" panose="020F0502020204030204" pitchFamily="34" charset="0"/>
                 <a:cs typeface="Times New Roman" panose="02020603050405020304" pitchFamily="18" charset="0"/>
               </a:rPr>
-              <a:t>("model/</a:t>
-            </a:r>
-            <a:r>
-              <a:rPr lang="en-US" sz="2400" dirty="0" err="1">
-                <a:latin typeface="Calibri" panose="020F0502020204030204" pitchFamily="34" charset="0"/>
-                <a:ea typeface="Calibri" panose="020F0502020204030204" pitchFamily="34" charset="0"/>
-                <a:cs typeface="Times New Roman" panose="02020603050405020304" pitchFamily="18" charset="0"/>
-              </a:rPr>
-              <a:t>HelloModel.json</a:t>
-            </a:r>
+              <a:t>"</a:t>
+            </a:r>
+          </a:p>
+          <a:p>
+            <a:pPr>
+              <a:lnSpc>
+                <a:spcPct val="107000"/>
+              </a:lnSpc>
+              <a:spcAft>
+                <a:spcPts val="800"/>
+              </a:spcAft>
+            </a:pPr>
             <a:r>
               <a:rPr lang="en-US" sz="2400" dirty="0">
                 <a:latin typeface="Calibri" panose="020F0502020204030204" pitchFamily="34" charset="0"/>
                 <a:ea typeface="Calibri" panose="020F0502020204030204" pitchFamily="34" charset="0"/>
                 <a:cs typeface="Times New Roman" panose="02020603050405020304" pitchFamily="18" charset="0"/>
               </a:rPr>
-              <a:t>");</a:t>
-            </a:r>
-          </a:p>
-          <a:p>
-            <a:pPr>
-              <a:lnSpc>
-                <a:spcPct val="107000"/>
-              </a:lnSpc>
-              <a:spcAft>
-                <a:spcPts val="800"/>
-              </a:spcAft>
-            </a:pPr>
-            <a:r>
-              <a:rPr lang="en-US" sz="2400" dirty="0" err="1" smtClean="0">
-                <a:latin typeface="Calibri" panose="020F0502020204030204" pitchFamily="34" charset="0"/>
-                <a:ea typeface="Calibri" panose="020F0502020204030204" pitchFamily="34" charset="0"/>
-                <a:cs typeface="Times New Roman" panose="02020603050405020304" pitchFamily="18" charset="0"/>
-              </a:rPr>
-              <a:t>this.setModel</a:t>
-            </a:r>
-            <a:r>
-              <a:rPr lang="en-US" sz="2400" dirty="0" smtClean="0">
-                <a:latin typeface="Calibri" panose="020F0502020204030204" pitchFamily="34" charset="0"/>
-                <a:ea typeface="Calibri" panose="020F0502020204030204" pitchFamily="34" charset="0"/>
-                <a:cs typeface="Times New Roman" panose="02020603050405020304" pitchFamily="18" charset="0"/>
-              </a:rPr>
-              <a:t>(</a:t>
-            </a:r>
-            <a:r>
-              <a:rPr lang="en-US" sz="2400" dirty="0" err="1" smtClean="0">
-                <a:latin typeface="Calibri" panose="020F0502020204030204" pitchFamily="34" charset="0"/>
-                <a:ea typeface="Calibri" panose="020F0502020204030204" pitchFamily="34" charset="0"/>
-                <a:cs typeface="Times New Roman" panose="02020603050405020304" pitchFamily="18" charset="0"/>
-              </a:rPr>
-              <a:t>oModel</a:t>
-            </a:r>
-            <a:r>
-              <a:rPr lang="en-US" sz="2400" dirty="0">
-                <a:latin typeface="Calibri" panose="020F0502020204030204" pitchFamily="34" charset="0"/>
-                <a:ea typeface="Calibri" panose="020F0502020204030204" pitchFamily="34" charset="0"/>
-                <a:cs typeface="Times New Roman" panose="02020603050405020304" pitchFamily="18" charset="0"/>
-              </a:rPr>
-              <a:t>,"hello");</a:t>
+              <a:t>	}</a:t>
             </a:r>
             <a:endParaRPr lang="en-US" sz="2400" dirty="0">
               <a:effectLst/>
@@ -15191,34 +14683,34 @@
               <a:buSzPct val="80000"/>
             </a:pPr>
             <a:r>
-              <a:rPr lang="en-US" sz="1800" kern="0" dirty="0" smtClean="0">
+              <a:rPr lang="en-US" sz="1800" kern="0" dirty="0">
                 <a:ea typeface="Arial Unicode MS" pitchFamily="34" charset="-128"/>
                 <a:cs typeface="Arial Unicode MS" pitchFamily="34" charset="-128"/>
               </a:rPr>
               <a:t>Models can be based on JSON, XML or </a:t>
             </a:r>
             <a:r>
-              <a:rPr lang="en-US" sz="1800" kern="0" dirty="0" err="1" smtClean="0">
+              <a:rPr lang="en-US" sz="1800" kern="0" dirty="0" err="1">
                 <a:ea typeface="Arial Unicode MS" pitchFamily="34" charset="-128"/>
                 <a:cs typeface="Arial Unicode MS" pitchFamily="34" charset="-128"/>
               </a:rPr>
               <a:t>oData</a:t>
             </a:r>
             <a:r>
-              <a:rPr lang="en-US" sz="1800" kern="0" dirty="0" smtClean="0">
+              <a:rPr lang="en-US" sz="1800" kern="0" dirty="0">
                 <a:ea typeface="Arial Unicode MS" pitchFamily="34" charset="-128"/>
                 <a:cs typeface="Arial Unicode MS" pitchFamily="34" charset="-128"/>
               </a:rPr>
               <a:t> sources.  The data source determines the syntax of</a:t>
             </a:r>
             <a:br>
-              <a:rPr lang="en-US" sz="1800" kern="0" dirty="0" smtClean="0">
+              <a:rPr lang="en-US" sz="1800" kern="0" dirty="0">
                 <a:ea typeface="Arial Unicode MS" pitchFamily="34" charset="-128"/>
                 <a:cs typeface="Arial Unicode MS" pitchFamily="34" charset="-128"/>
               </a:rPr>
             </a:br>
             <a:r>
-              <a:rPr lang="en-US" sz="1800" kern="0" dirty="0" smtClean="0">
+              <a:rPr lang="en-US" sz="1800" kern="0" dirty="0">
                 <a:ea typeface="Arial Unicode MS" pitchFamily="34" charset="-128"/>
                 <a:cs typeface="Arial Unicode MS" pitchFamily="34" charset="-128"/>
               </a:rPr>
@@ -15236,7 +14728,7 @@
         <p:spPr>
           <a:xfrm>
             <a:off x="5120640" y="5029200"/>
-            <a:ext cx="5616922" cy="276999"/>
+            <a:ext cx="4501232" cy="276999"/>
           </a:xfrm>
           <a:prstGeom prst="rect">
             <a:avLst/>
@@ -15262,11 +14754,11 @@
               <a:buSzPct val="80000"/>
             </a:pPr>
             <a:r>
-              <a:rPr lang="en-US" sz="1800" kern="0" dirty="0" smtClean="0">
+              <a:rPr lang="en-US" sz="1800" kern="0" dirty="0">
                 <a:ea typeface="Arial Unicode MS" pitchFamily="34" charset="-128"/>
                 <a:cs typeface="Arial Unicode MS" pitchFamily="34" charset="-128"/>
               </a:rPr>
-              <a:t>If you use multiple models, you must give them names.</a:t>
+              <a:t>Model name is used to reference the model.</a:t>
             </a:r>
           </a:p>
         </p:txBody>
@@ -15279,8 +14771,8 @@
         </p:nvCxnSpPr>
         <p:spPr>
           <a:xfrm flipH="1" flipV="1">
-            <a:off x="4498848" y="3677706"/>
-            <a:ext cx="1451713" cy="1250910"/>
+            <a:off x="1532709" y="3161211"/>
+            <a:ext cx="3453052" cy="2006488"/>
           </a:xfrm>
           <a:prstGeom prst="straightConnector1">
             <a:avLst/>
@@ -15315,8 +14807,8 @@
         </p:nvSpPr>
         <p:spPr>
           <a:xfrm>
-            <a:off x="324001" y="4498848"/>
-            <a:ext cx="4526880" cy="1384995"/>
+            <a:off x="324001" y="5167699"/>
+            <a:ext cx="4013919" cy="830997"/>
           </a:xfrm>
           <a:prstGeom prst="rect">
             <a:avLst/>
@@ -15342,67 +14834,141 @@
               <a:buSzPct val="80000"/>
             </a:pPr>
             <a:r>
-              <a:rPr lang="en-US" sz="1800" kern="0" dirty="0" smtClean="0">
+              <a:rPr lang="en-US" sz="1800" kern="0" dirty="0">
                 <a:ea typeface="Arial Unicode MS" pitchFamily="34" charset="-128"/>
                 <a:cs typeface="Arial Unicode MS" pitchFamily="34" charset="-128"/>
               </a:rPr>
-              <a:t>This refers to the context within which the </a:t>
-            </a:r>
-            <a:br>
-              <a:rPr lang="en-US" sz="1800" kern="0" dirty="0" smtClean="0">
+              <a:t>Models are defined in the </a:t>
+            </a:r>
+            <a:r>
+              <a:rPr lang="en-US" sz="1800" kern="0" dirty="0" err="1">
                 <a:ea typeface="Arial Unicode MS" pitchFamily="34" charset="-128"/>
                 <a:cs typeface="Arial Unicode MS" pitchFamily="34" charset="-128"/>
               </a:rPr>
-            </a:br>
-            <a:r>
-              <a:rPr lang="en-US" sz="1800" kern="0" dirty="0" smtClean="0">
+              <a:t>manifest.json</a:t>
+            </a:r>
+            <a:br>
+              <a:rPr lang="en-US" sz="1800" kern="0" dirty="0">
                 <a:ea typeface="Arial Unicode MS" pitchFamily="34" charset="-128"/>
                 <a:cs typeface="Arial Unicode MS" pitchFamily="34" charset="-128"/>
               </a:rPr>
-              <a:t>code is executed.  For example, if this code</a:t>
-            </a:r>
-            <a:br>
-              <a:rPr lang="en-US" sz="1800" kern="0" dirty="0" smtClean="0">
+            </a:br>
+            <a:r>
+              <a:rPr lang="en-US" sz="1800" kern="0" dirty="0">
                 <a:ea typeface="Arial Unicode MS" pitchFamily="34" charset="-128"/>
                 <a:cs typeface="Arial Unicode MS" pitchFamily="34" charset="-128"/>
               </a:rPr>
-            </a:br>
-            <a:r>
-              <a:rPr lang="en-US" sz="1800" kern="0" dirty="0" smtClean="0">
+              <a:t>file and are visible everywhere in the</a:t>
+            </a:r>
+            <a:br>
+              <a:rPr lang="en-US" sz="1800" kern="0" dirty="0">
                 <a:ea typeface="Arial Unicode MS" pitchFamily="34" charset="-128"/>
                 <a:cs typeface="Arial Unicode MS" pitchFamily="34" charset="-128"/>
               </a:rPr>
-              <a:t>appears in the Component.js, the model is</a:t>
-            </a:r>
-            <a:br>
-              <a:rPr lang="en-US" sz="1800" kern="0" dirty="0" smtClean="0">
+            </a:br>
+            <a:r>
+              <a:rPr lang="en-US" sz="1800" kern="0" dirty="0">
                 <a:ea typeface="Arial Unicode MS" pitchFamily="34" charset="-128"/>
                 <a:cs typeface="Arial Unicode MS" pitchFamily="34" charset="-128"/>
               </a:rPr>
-            </a:br>
-            <a:r>
-              <a:rPr lang="en-US" sz="1800" kern="0" dirty="0" smtClean="0">
+              <a:t>application</a:t>
+            </a:r>
+          </a:p>
+        </p:txBody>
+      </p:sp>
+      <p:sp>
+        <p:nvSpPr>
+          <p:cNvPr id="9" name="TextBox 8"/>
+          <p:cNvSpPr txBox="1"/>
+          <p:nvPr/>
+        </p:nvSpPr>
+        <p:spPr>
+          <a:xfrm>
+            <a:off x="9092927" y="3612453"/>
+            <a:ext cx="2654573" cy="553998"/>
+          </a:xfrm>
+          <a:prstGeom prst="rect">
+            <a:avLst/>
+          </a:prstGeom>
+          <a:noFill/>
+        </p:spPr>
+        <p:txBody>
+          <a:bodyPr wrap="none" lIns="0" tIns="0" rIns="0" bIns="0" rtlCol="0">
+            <a:spAutoFit/>
+          </a:bodyPr>
+          <a:lstStyle/>
+          <a:p>
+            <a:pPr fontAlgn="base">
+              <a:spcBef>
+                <a:spcPts val="600"/>
+              </a:spcBef>
+              <a:spcAft>
+                <a:spcPct val="0"/>
+              </a:spcAft>
+              <a:buClr>
+                <a:srgbClr val="F0AB00"/>
+              </a:buClr>
+              <a:buSzPct val="80000"/>
+            </a:pPr>
+            <a:r>
+              <a:rPr lang="en-US" sz="1800" kern="0" dirty="0">
                 <a:ea typeface="Arial Unicode MS" pitchFamily="34" charset="-128"/>
                 <a:cs typeface="Arial Unicode MS" pitchFamily="34" charset="-128"/>
               </a:rPr>
-              <a:t>set for the component which means it will be</a:t>
+              <a:t>Could be a URI for a web </a:t>
             </a:r>
             <a:br>
-              <a:rPr lang="en-US" sz="1800" kern="0" dirty="0" smtClean="0">
+              <a:rPr lang="en-US" sz="1800" kern="0" dirty="0">
                 <a:ea typeface="Arial Unicode MS" pitchFamily="34" charset="-128"/>
                 <a:cs typeface="Arial Unicode MS" pitchFamily="34" charset="-128"/>
               </a:rPr>
             </a:br>
             <a:r>
-              <a:rPr lang="en-US" sz="1800" kern="0" dirty="0" smtClean="0">
+              <a:rPr lang="en-US" sz="1800" kern="0" dirty="0">
                 <a:ea typeface="Arial Unicode MS" pitchFamily="34" charset="-128"/>
                 <a:cs typeface="Arial Unicode MS" pitchFamily="34" charset="-128"/>
               </a:rPr>
-              <a:t>available to all views.</a:t>
+              <a:t>service </a:t>
             </a:r>
           </a:p>
         </p:txBody>
       </p:sp>
+      <p:cxnSp>
+        <p:nvCxnSpPr>
+          <p:cNvPr id="11" name="Straight Arrow Connector 10"/>
+          <p:cNvCxnSpPr/>
+          <p:nvPr/>
+        </p:nvCxnSpPr>
+        <p:spPr>
+          <a:xfrm flipH="1">
+            <a:off x="7152633" y="3946108"/>
+            <a:ext cx="1773653" cy="0"/>
+          </a:xfrm>
+          <a:prstGeom prst="straightConnector1">
+            <a:avLst/>
+          </a:prstGeom>
+          <a:ln w="6350">
+            <a:solidFill>
+              <a:schemeClr val="tx1"/>
+            </a:solidFill>
+            <a:tailEnd type="triangle"/>
+          </a:ln>
+        </p:spPr>
+        <p:style>
+          <a:lnRef idx="1">
+            <a:schemeClr val="accent1"/>
+          </a:lnRef>
+          <a:fillRef idx="0">
+            <a:schemeClr val="accent1"/>
+          </a:fillRef>
+          <a:effectRef idx="0">
+            <a:schemeClr val="accent1"/>
+          </a:effectRef>
+          <a:fontRef idx="minor">
+            <a:schemeClr val="tx1"/>
+          </a:fontRef>
+        </p:style>
+      </p:cxnSp>
     </p:spTree>
     <p:extLst>
       <p:ext uri="{BB962C8B-B14F-4D97-AF65-F5344CB8AC3E}">
@@ -15413,13 +14979,6 @@
   <p:clrMapOvr>
     <a:masterClrMapping/>
   </p:clrMapOvr>
-  <p:timing>
-    <p:tnLst>
-      <p:par>
-        <p:cTn id="1" dur="indefinite" restart="never" nodeType="tmRoot"/>
-      </p:par>
-    </p:tnLst>
-  </p:timing>
 </p:sld>
 </file>
 
@@ -15456,10 +15015,9 @@
           <a:lstStyle/>
           <a:p>
             <a:r>
-              <a:rPr lang="en-US" dirty="0" smtClean="0"/>
+              <a:rPr lang="en-US" dirty="0"/>
               <a:t>Property Binding</a:t>
             </a:r>
-            <a:endParaRPr lang="en-US" dirty="0"/>
           </a:p>
         </p:txBody>
       </p:sp>
@@ -15569,86 +15127,57 @@
                 <a:ea typeface="Calibri" panose="020F0502020204030204" pitchFamily="34" charset="0"/>
                 <a:cs typeface="Times New Roman" panose="02020603050405020304" pitchFamily="18" charset="0"/>
               </a:rPr>
-              <a:t>	    title="{</a:t>
-            </a:r>
-            <a:r>
-              <a:rPr lang="en-US" sz="2400" dirty="0" smtClean="0">
+              <a:t>	    title="{hello&gt;/</a:t>
+            </a:r>
+            <a:r>
+              <a:rPr lang="en-US" sz="2400" dirty="0" err="1">
                 <a:latin typeface="Calibri" panose="020F0502020204030204" pitchFamily="34" charset="0"/>
                 <a:ea typeface="Calibri" panose="020F0502020204030204" pitchFamily="34" charset="0"/>
                 <a:cs typeface="Times New Roman" panose="02020603050405020304" pitchFamily="18" charset="0"/>
               </a:rPr>
-              <a:t>hello&gt;/</a:t>
-            </a:r>
-            <a:r>
-              <a:rPr lang="en-US" sz="2400" dirty="0" err="1" smtClean="0">
-                <a:latin typeface="Calibri" panose="020F0502020204030204" pitchFamily="34" charset="0"/>
-                <a:ea typeface="Calibri" panose="020F0502020204030204" pitchFamily="34" charset="0"/>
-                <a:cs typeface="Times New Roman" panose="02020603050405020304" pitchFamily="18" charset="0"/>
-              </a:rPr>
               <a:t>HelloCollection</a:t>
             </a:r>
-            <a:r>
-              <a:rPr lang="en-US" sz="2400" dirty="0" smtClean="0">
-                <a:latin typeface="Calibri" panose="020F0502020204030204" pitchFamily="34" charset="0"/>
-                <a:ea typeface="Calibri" panose="020F0502020204030204" pitchFamily="34" charset="0"/>
-                <a:cs typeface="Times New Roman" panose="02020603050405020304" pitchFamily="18" charset="0"/>
-              </a:rPr>
-              <a:t>/0/Variations/0/Greetings}"</a:t>
-            </a:r>
-            <a:endParaRPr lang="en-US" sz="2400" dirty="0">
-              <a:latin typeface="Calibri" panose="020F0502020204030204" pitchFamily="34" charset="0"/>
-              <a:ea typeface="Calibri" panose="020F0502020204030204" pitchFamily="34" charset="0"/>
-              <a:cs typeface="Times New Roman" panose="02020603050405020304" pitchFamily="18" charset="0"/>
-            </a:endParaRPr>
-          </a:p>
-          <a:p>
-            <a:pPr>
-              <a:lnSpc>
-                <a:spcPct val="107000"/>
-              </a:lnSpc>
-              <a:spcAft>
-                <a:spcPts val="800"/>
-              </a:spcAft>
-            </a:pPr>
             <a:r>
               <a:rPr lang="en-US" sz="2400" dirty="0">
                 <a:latin typeface="Calibri" panose="020F0502020204030204" pitchFamily="34" charset="0"/>
                 <a:ea typeface="Calibri" panose="020F0502020204030204" pitchFamily="34" charset="0"/>
                 <a:cs typeface="Times New Roman" panose="02020603050405020304" pitchFamily="18" charset="0"/>
               </a:rPr>
-              <a:t>	    info="{</a:t>
-            </a:r>
-            <a:r>
-              <a:rPr lang="en-US" sz="2400" dirty="0" smtClean="0">
-                <a:latin typeface="Calibri" panose="020F0502020204030204" pitchFamily="34" charset="0"/>
-                <a:ea typeface="Calibri" panose="020F0502020204030204" pitchFamily="34" charset="0"/>
-                <a:cs typeface="Times New Roman" panose="02020603050405020304" pitchFamily="18" charset="0"/>
-              </a:rPr>
-              <a:t>hello&gt;/</a:t>
-            </a:r>
-            <a:r>
-              <a:rPr lang="en-US" sz="2400" dirty="0" err="1" smtClean="0">
-                <a:latin typeface="Calibri" panose="020F0502020204030204" pitchFamily="34" charset="0"/>
-                <a:ea typeface="Calibri" panose="020F0502020204030204" pitchFamily="34" charset="0"/>
-                <a:cs typeface="Times New Roman" panose="02020603050405020304" pitchFamily="18" charset="0"/>
-              </a:rPr>
-              <a:t>HelloCollection</a:t>
-            </a:r>
-            <a:r>
-              <a:rPr lang="en-US" sz="2400" dirty="0" smtClean="0">
-                <a:latin typeface="Calibri" panose="020F0502020204030204" pitchFamily="34" charset="0"/>
-                <a:ea typeface="Calibri" panose="020F0502020204030204" pitchFamily="34" charset="0"/>
-                <a:cs typeface="Times New Roman" panose="02020603050405020304" pitchFamily="18" charset="0"/>
-              </a:rPr>
-              <a:t>/0/Variations/0/Language</a:t>
-            </a:r>
+              <a:t>/0/Variations/0/Greetings}"</a:t>
+            </a:r>
+          </a:p>
+          <a:p>
+            <a:pPr>
+              <a:lnSpc>
+                <a:spcPct val="107000"/>
+              </a:lnSpc>
+              <a:spcAft>
+                <a:spcPts val="800"/>
+              </a:spcAft>
+            </a:pPr>
             <a:r>
               <a:rPr lang="en-US" sz="2400" dirty="0">
                 <a:latin typeface="Calibri" panose="020F0502020204030204" pitchFamily="34" charset="0"/>
                 <a:ea typeface="Calibri" panose="020F0502020204030204" pitchFamily="34" charset="0"/>
                 <a:cs typeface="Times New Roman" panose="02020603050405020304" pitchFamily="18" charset="0"/>
               </a:rPr>
-              <a:t>}"  /&gt;</a:t>
+              <a:t>	    info="{hello&gt;/</a:t>
+            </a:r>
+            <a:r>
+              <a:rPr lang="en-US" sz="2400" dirty="0" err="1">
+                <a:latin typeface="Calibri" panose="020F0502020204030204" pitchFamily="34" charset="0"/>
+                <a:ea typeface="Calibri" panose="020F0502020204030204" pitchFamily="34" charset="0"/>
+                <a:cs typeface="Times New Roman" panose="02020603050405020304" pitchFamily="18" charset="0"/>
+              </a:rPr>
+              <a:t>HelloCollection</a:t>
+            </a:r>
+            <a:r>
+              <a:rPr lang="en-US" sz="2400" dirty="0">
+                <a:latin typeface="Calibri" panose="020F0502020204030204" pitchFamily="34" charset="0"/>
+                <a:ea typeface="Calibri" panose="020F0502020204030204" pitchFamily="34" charset="0"/>
+                <a:cs typeface="Times New Roman" panose="02020603050405020304" pitchFamily="18" charset="0"/>
+              </a:rPr>
+              <a:t>/0/Variations/0/Language}"  /&gt;</a:t>
             </a:r>
           </a:p>
         </p:txBody>
@@ -15685,13 +15214,6 @@
   <p:clrMapOvr>
     <a:masterClrMapping/>
   </p:clrMapOvr>
-  <p:timing>
-    <p:tnLst>
-      <p:par>
-        <p:cTn id="1" dur="indefinite" restart="never" nodeType="tmRoot"/>
-      </p:par>
-    </p:tnLst>
-  </p:timing>
 </p:sld>
 </file>
 
